--- a/docs/model-based-validation-Exec-Summary.pptx
+++ b/docs/model-based-validation-Exec-Summary.pptx
@@ -6,23 +6,22 @@
     <p:sldMasterId id="2147483668" r:id="rId2"/>
   </p:sldMasterIdLst>
   <p:notesMasterIdLst>
-    <p:notesMasterId r:id="rId17"/>
+    <p:notesMasterId r:id="rId16"/>
   </p:notesMasterIdLst>
   <p:sldIdLst>
     <p:sldId id="256" r:id="rId3"/>
-    <p:sldId id="281" r:id="rId4"/>
-    <p:sldId id="258" r:id="rId5"/>
-    <p:sldId id="264" r:id="rId6"/>
-    <p:sldId id="259" r:id="rId7"/>
-    <p:sldId id="285" r:id="rId8"/>
-    <p:sldId id="287" r:id="rId9"/>
-    <p:sldId id="278" r:id="rId10"/>
-    <p:sldId id="288" r:id="rId11"/>
-    <p:sldId id="261" r:id="rId12"/>
-    <p:sldId id="282" r:id="rId13"/>
-    <p:sldId id="283" r:id="rId14"/>
-    <p:sldId id="284" r:id="rId15"/>
-    <p:sldId id="265" r:id="rId16"/>
+    <p:sldId id="258" r:id="rId4"/>
+    <p:sldId id="264" r:id="rId5"/>
+    <p:sldId id="259" r:id="rId6"/>
+    <p:sldId id="285" r:id="rId7"/>
+    <p:sldId id="287" r:id="rId8"/>
+    <p:sldId id="278" r:id="rId9"/>
+    <p:sldId id="288" r:id="rId10"/>
+    <p:sldId id="261" r:id="rId11"/>
+    <p:sldId id="282" r:id="rId12"/>
+    <p:sldId id="283" r:id="rId13"/>
+    <p:sldId id="284" r:id="rId14"/>
+    <p:sldId id="265" r:id="rId15"/>
   </p:sldIdLst>
   <p:sldSz cx="12192000" cy="6858000"/>
   <p:notesSz cx="6858000" cy="9144000"/>
@@ -123,7 +122,7 @@
   </p:defaultTextStyle>
   <p:extLst>
     <p:ext uri="{EFAFB233-063F-42B5-8137-9DF3F51BA10A}">
-      <p15:sldGuideLst xmlns="" xmlns:p15="http://schemas.microsoft.com/office/powerpoint/2012/main"/>
+      <p15:sldGuideLst xmlns:p15="http://schemas.microsoft.com/office/powerpoint/2012/main" xmlns=""/>
     </p:ext>
   </p:extLst>
 </p:presentation>
@@ -2241,529 +2240,6 @@
       <dsp:cNvGrpSpPr/>
     </dsp:nvGrpSpPr>
     <dsp:grpSpPr/>
-    <dsp:sp modelId="{DB0D6484-4FFB-4320-A7C4-6E6A7EF0208F}">
-      <dsp:nvSpPr>
-        <dsp:cNvPr id="0" name=""/>
-        <dsp:cNvSpPr/>
-      </dsp:nvSpPr>
-      <dsp:spPr>
-        <a:xfrm>
-          <a:off x="352294" y="8377"/>
-          <a:ext cx="2186384" cy="1311830"/>
-        </a:xfrm>
-        <a:prstGeom prst="roundRect">
-          <a:avLst>
-            <a:gd name="adj" fmla="val 10000"/>
-          </a:avLst>
-        </a:prstGeom>
-        <a:solidFill>
-          <a:schemeClr val="accent1">
-            <a:hueOff val="0"/>
-            <a:satOff val="0"/>
-            <a:lumOff val="0"/>
-            <a:alphaOff val="0"/>
-          </a:schemeClr>
-        </a:solidFill>
-        <a:ln w="25400" cap="flat" cmpd="sng" algn="ctr">
-          <a:solidFill>
-            <a:schemeClr val="lt1">
-              <a:hueOff val="0"/>
-              <a:satOff val="0"/>
-              <a:lumOff val="0"/>
-              <a:alphaOff val="0"/>
-            </a:schemeClr>
-          </a:solidFill>
-          <a:prstDash val="solid"/>
-        </a:ln>
-        <a:effectLst/>
-      </dsp:spPr>
-      <dsp:style>
-        <a:lnRef idx="2">
-          <a:scrgbClr r="0" g="0" b="0"/>
-        </a:lnRef>
-        <a:fillRef idx="1">
-          <a:scrgbClr r="0" g="0" b="0"/>
-        </a:fillRef>
-        <a:effectRef idx="0">
-          <a:scrgbClr r="0" g="0" b="0"/>
-        </a:effectRef>
-        <a:fontRef idx="minor">
-          <a:schemeClr val="lt1"/>
-        </a:fontRef>
-      </dsp:style>
-      <dsp:txBody>
-        <a:bodyPr spcFirstLastPara="0" vert="horz" wrap="square" lIns="95250" tIns="95250" rIns="95250" bIns="95250" numCol="1" spcCol="1270" anchor="ctr" anchorCtr="0">
-          <a:noAutofit/>
-        </a:bodyPr>
-        <a:lstStyle/>
-        <a:p>
-          <a:pPr lvl="0" algn="ctr" defTabSz="1111250">
-            <a:lnSpc>
-              <a:spcPct val="90000"/>
-            </a:lnSpc>
-            <a:spcBef>
-              <a:spcPct val="0"/>
-            </a:spcBef>
-            <a:spcAft>
-              <a:spcPct val="35000"/>
-            </a:spcAft>
-          </a:pPr>
-          <a:r>
-            <a:rPr lang="en-US" sz="2500" kern="1200" dirty="0" smtClean="0"/>
-            <a:t>HW Design</a:t>
-          </a:r>
-          <a:endParaRPr lang="en-US" sz="2500" kern="1200" dirty="0"/>
-        </a:p>
-      </dsp:txBody>
-      <dsp:txXfrm>
-        <a:off x="390716" y="46799"/>
-        <a:ext cx="2109540" cy="1234986"/>
-      </dsp:txXfrm>
-    </dsp:sp>
-    <dsp:sp modelId="{31068251-CAB1-4086-B2DC-B37848FDCBF9}">
-      <dsp:nvSpPr>
-        <dsp:cNvPr id="0" name=""/>
-        <dsp:cNvSpPr/>
-      </dsp:nvSpPr>
-      <dsp:spPr>
-        <a:xfrm rot="21589346">
-          <a:off x="2667889" y="388968"/>
-          <a:ext cx="273928" cy="542223"/>
-        </a:xfrm>
-        <a:prstGeom prst="rightArrow">
-          <a:avLst>
-            <a:gd name="adj1" fmla="val 60000"/>
-            <a:gd name="adj2" fmla="val 50000"/>
-          </a:avLst>
-        </a:prstGeom>
-        <a:solidFill>
-          <a:schemeClr val="accent1">
-            <a:tint val="60000"/>
-            <a:hueOff val="0"/>
-            <a:satOff val="0"/>
-            <a:lumOff val="0"/>
-            <a:alphaOff val="0"/>
-          </a:schemeClr>
-        </a:solidFill>
-        <a:ln>
-          <a:noFill/>
-        </a:ln>
-        <a:effectLst/>
-      </dsp:spPr>
-      <dsp:style>
-        <a:lnRef idx="0">
-          <a:scrgbClr r="0" g="0" b="0"/>
-        </a:lnRef>
-        <a:fillRef idx="1">
-          <a:scrgbClr r="0" g="0" b="0"/>
-        </a:fillRef>
-        <a:effectRef idx="0">
-          <a:scrgbClr r="0" g="0" b="0"/>
-        </a:effectRef>
-        <a:fontRef idx="minor">
-          <a:schemeClr val="lt1"/>
-        </a:fontRef>
-      </dsp:style>
-      <dsp:txBody>
-        <a:bodyPr spcFirstLastPara="0" vert="horz" wrap="square" lIns="0" tIns="0" rIns="0" bIns="0" numCol="1" spcCol="1270" anchor="ctr" anchorCtr="0">
-          <a:noAutofit/>
-        </a:bodyPr>
-        <a:lstStyle/>
-        <a:p>
-          <a:pPr lvl="0" algn="ctr" defTabSz="889000">
-            <a:lnSpc>
-              <a:spcPct val="90000"/>
-            </a:lnSpc>
-            <a:spcBef>
-              <a:spcPct val="0"/>
-            </a:spcBef>
-            <a:spcAft>
-              <a:spcPct val="35000"/>
-            </a:spcAft>
-          </a:pPr>
-          <a:endParaRPr lang="en-US" sz="2000" kern="1200" dirty="0"/>
-        </a:p>
-      </dsp:txBody>
-      <dsp:txXfrm>
-        <a:off x="2667889" y="497540"/>
-        <a:ext cx="191750" cy="325333"/>
-      </dsp:txXfrm>
-    </dsp:sp>
-    <dsp:sp modelId="{E4FAB59A-5CD1-4126-B0C7-E37F8E427CA2}">
-      <dsp:nvSpPr>
-        <dsp:cNvPr id="0" name=""/>
-        <dsp:cNvSpPr/>
-      </dsp:nvSpPr>
-      <dsp:spPr>
-        <a:xfrm>
-          <a:off x="3055522" y="0"/>
-          <a:ext cx="2186384" cy="1311830"/>
-        </a:xfrm>
-        <a:prstGeom prst="roundRect">
-          <a:avLst>
-            <a:gd name="adj" fmla="val 10000"/>
-          </a:avLst>
-        </a:prstGeom>
-        <a:solidFill>
-          <a:schemeClr val="accent1">
-            <a:hueOff val="0"/>
-            <a:satOff val="0"/>
-            <a:lumOff val="0"/>
-            <a:alphaOff val="0"/>
-          </a:schemeClr>
-        </a:solidFill>
-        <a:ln w="25400" cap="flat" cmpd="sng" algn="ctr">
-          <a:solidFill>
-            <a:schemeClr val="lt1">
-              <a:hueOff val="0"/>
-              <a:satOff val="0"/>
-              <a:lumOff val="0"/>
-              <a:alphaOff val="0"/>
-            </a:schemeClr>
-          </a:solidFill>
-          <a:prstDash val="solid"/>
-        </a:ln>
-        <a:effectLst/>
-      </dsp:spPr>
-      <dsp:style>
-        <a:lnRef idx="2">
-          <a:scrgbClr r="0" g="0" b="0"/>
-        </a:lnRef>
-        <a:fillRef idx="1">
-          <a:scrgbClr r="0" g="0" b="0"/>
-        </a:fillRef>
-        <a:effectRef idx="0">
-          <a:scrgbClr r="0" g="0" b="0"/>
-        </a:effectRef>
-        <a:fontRef idx="minor">
-          <a:schemeClr val="lt1"/>
-        </a:fontRef>
-      </dsp:style>
-      <dsp:txBody>
-        <a:bodyPr spcFirstLastPara="0" vert="horz" wrap="square" lIns="95250" tIns="95250" rIns="95250" bIns="95250" numCol="1" spcCol="1270" anchor="ctr" anchorCtr="0">
-          <a:noAutofit/>
-        </a:bodyPr>
-        <a:lstStyle/>
-        <a:p>
-          <a:pPr lvl="0" algn="ctr" defTabSz="1111250">
-            <a:lnSpc>
-              <a:spcPct val="90000"/>
-            </a:lnSpc>
-            <a:spcBef>
-              <a:spcPct val="0"/>
-            </a:spcBef>
-            <a:spcAft>
-              <a:spcPct val="35000"/>
-            </a:spcAft>
-          </a:pPr>
-          <a:r>
-            <a:rPr lang="en-US" sz="2500" kern="1200" dirty="0" smtClean="0"/>
-            <a:t>Validation Plan development</a:t>
-          </a:r>
-          <a:endParaRPr lang="en-US" sz="2500" kern="1200" dirty="0"/>
-        </a:p>
-      </dsp:txBody>
-      <dsp:txXfrm>
-        <a:off x="3093944" y="38422"/>
-        <a:ext cx="2109540" cy="1234986"/>
-      </dsp:txXfrm>
-    </dsp:sp>
-    <dsp:sp modelId="{8EC56344-7EF3-4A09-8D89-4D98F62E6407}">
-      <dsp:nvSpPr>
-        <dsp:cNvPr id="0" name=""/>
-        <dsp:cNvSpPr/>
-      </dsp:nvSpPr>
-      <dsp:spPr>
-        <a:xfrm>
-          <a:off x="5432852" y="384803"/>
-          <a:ext cx="404804" cy="542223"/>
-        </a:xfrm>
-        <a:prstGeom prst="rightArrow">
-          <a:avLst>
-            <a:gd name="adj1" fmla="val 60000"/>
-            <a:gd name="adj2" fmla="val 50000"/>
-          </a:avLst>
-        </a:prstGeom>
-        <a:solidFill>
-          <a:schemeClr val="accent1">
-            <a:tint val="60000"/>
-            <a:hueOff val="0"/>
-            <a:satOff val="0"/>
-            <a:lumOff val="0"/>
-            <a:alphaOff val="0"/>
-          </a:schemeClr>
-        </a:solidFill>
-        <a:ln>
-          <a:noFill/>
-        </a:ln>
-        <a:effectLst/>
-      </dsp:spPr>
-      <dsp:style>
-        <a:lnRef idx="0">
-          <a:scrgbClr r="0" g="0" b="0"/>
-        </a:lnRef>
-        <a:fillRef idx="1">
-          <a:scrgbClr r="0" g="0" b="0"/>
-        </a:fillRef>
-        <a:effectRef idx="0">
-          <a:scrgbClr r="0" g="0" b="0"/>
-        </a:effectRef>
-        <a:fontRef idx="minor">
-          <a:schemeClr val="lt1"/>
-        </a:fontRef>
-      </dsp:style>
-      <dsp:txBody>
-        <a:bodyPr spcFirstLastPara="0" vert="horz" wrap="square" lIns="0" tIns="0" rIns="0" bIns="0" numCol="1" spcCol="1270" anchor="ctr" anchorCtr="0">
-          <a:noAutofit/>
-        </a:bodyPr>
-        <a:lstStyle/>
-        <a:p>
-          <a:pPr lvl="0" algn="ctr" defTabSz="889000">
-            <a:lnSpc>
-              <a:spcPct val="90000"/>
-            </a:lnSpc>
-            <a:spcBef>
-              <a:spcPct val="0"/>
-            </a:spcBef>
-            <a:spcAft>
-              <a:spcPct val="35000"/>
-            </a:spcAft>
-          </a:pPr>
-          <a:endParaRPr lang="en-US" sz="2000" kern="1200" dirty="0"/>
-        </a:p>
-      </dsp:txBody>
-      <dsp:txXfrm>
-        <a:off x="5432852" y="493248"/>
-        <a:ext cx="283363" cy="325333"/>
-      </dsp:txXfrm>
-    </dsp:sp>
-    <dsp:sp modelId="{DD8D78B0-42D3-4DBF-9F1A-1D8B9259E5DC}">
-      <dsp:nvSpPr>
-        <dsp:cNvPr id="0" name=""/>
-        <dsp:cNvSpPr/>
-      </dsp:nvSpPr>
-      <dsp:spPr>
-        <a:xfrm>
-          <a:off x="6005689" y="0"/>
-          <a:ext cx="2186384" cy="1311830"/>
-        </a:xfrm>
-        <a:prstGeom prst="roundRect">
-          <a:avLst>
-            <a:gd name="adj" fmla="val 10000"/>
-          </a:avLst>
-        </a:prstGeom>
-        <a:solidFill>
-          <a:schemeClr val="accent1">
-            <a:hueOff val="0"/>
-            <a:satOff val="0"/>
-            <a:lumOff val="0"/>
-            <a:alphaOff val="0"/>
-          </a:schemeClr>
-        </a:solidFill>
-        <a:ln w="25400" cap="flat" cmpd="sng" algn="ctr">
-          <a:solidFill>
-            <a:schemeClr val="lt1">
-              <a:hueOff val="0"/>
-              <a:satOff val="0"/>
-              <a:lumOff val="0"/>
-              <a:alphaOff val="0"/>
-            </a:schemeClr>
-          </a:solidFill>
-          <a:prstDash val="solid"/>
-        </a:ln>
-        <a:effectLst/>
-      </dsp:spPr>
-      <dsp:style>
-        <a:lnRef idx="2">
-          <a:scrgbClr r="0" g="0" b="0"/>
-        </a:lnRef>
-        <a:fillRef idx="1">
-          <a:scrgbClr r="0" g="0" b="0"/>
-        </a:fillRef>
-        <a:effectRef idx="0">
-          <a:scrgbClr r="0" g="0" b="0"/>
-        </a:effectRef>
-        <a:fontRef idx="minor">
-          <a:schemeClr val="lt1"/>
-        </a:fontRef>
-      </dsp:style>
-      <dsp:txBody>
-        <a:bodyPr spcFirstLastPara="0" vert="horz" wrap="square" lIns="95250" tIns="95250" rIns="95250" bIns="95250" numCol="1" spcCol="1270" anchor="ctr" anchorCtr="0">
-          <a:noAutofit/>
-        </a:bodyPr>
-        <a:lstStyle/>
-        <a:p>
-          <a:pPr lvl="0" algn="ctr" defTabSz="1111250">
-            <a:lnSpc>
-              <a:spcPct val="90000"/>
-            </a:lnSpc>
-            <a:spcBef>
-              <a:spcPct val="0"/>
-            </a:spcBef>
-            <a:spcAft>
-              <a:spcPct val="35000"/>
-            </a:spcAft>
-          </a:pPr>
-          <a:r>
-            <a:rPr lang="en-US" sz="2500" kern="1200" dirty="0" smtClean="0"/>
-            <a:t>Validation SW development</a:t>
-          </a:r>
-          <a:endParaRPr lang="en-US" sz="2500" kern="1200" dirty="0"/>
-        </a:p>
-      </dsp:txBody>
-      <dsp:txXfrm>
-        <a:off x="6044111" y="38422"/>
-        <a:ext cx="2109540" cy="1234986"/>
-      </dsp:txXfrm>
-    </dsp:sp>
-    <dsp:sp modelId="{79CB6E84-D30D-4BA4-B014-DD37DD29B830}">
-      <dsp:nvSpPr>
-        <dsp:cNvPr id="0" name=""/>
-        <dsp:cNvSpPr/>
-      </dsp:nvSpPr>
-      <dsp:spPr>
-        <a:xfrm>
-          <a:off x="8409359" y="384803"/>
-          <a:ext cx="460644" cy="542223"/>
-        </a:xfrm>
-        <a:prstGeom prst="rightArrow">
-          <a:avLst>
-            <a:gd name="adj1" fmla="val 60000"/>
-            <a:gd name="adj2" fmla="val 50000"/>
-          </a:avLst>
-        </a:prstGeom>
-        <a:solidFill>
-          <a:schemeClr val="accent1">
-            <a:tint val="60000"/>
-            <a:hueOff val="0"/>
-            <a:satOff val="0"/>
-            <a:lumOff val="0"/>
-            <a:alphaOff val="0"/>
-          </a:schemeClr>
-        </a:solidFill>
-        <a:ln>
-          <a:noFill/>
-        </a:ln>
-        <a:effectLst/>
-      </dsp:spPr>
-      <dsp:style>
-        <a:lnRef idx="0">
-          <a:scrgbClr r="0" g="0" b="0"/>
-        </a:lnRef>
-        <a:fillRef idx="1">
-          <a:scrgbClr r="0" g="0" b="0"/>
-        </a:fillRef>
-        <a:effectRef idx="0">
-          <a:scrgbClr r="0" g="0" b="0"/>
-        </a:effectRef>
-        <a:fontRef idx="minor">
-          <a:schemeClr val="lt1"/>
-        </a:fontRef>
-      </dsp:style>
-      <dsp:txBody>
-        <a:bodyPr spcFirstLastPara="0" vert="horz" wrap="square" lIns="0" tIns="0" rIns="0" bIns="0" numCol="1" spcCol="1270" anchor="ctr" anchorCtr="0">
-          <a:noAutofit/>
-        </a:bodyPr>
-        <a:lstStyle/>
-        <a:p>
-          <a:pPr lvl="0" algn="ctr" defTabSz="889000">
-            <a:lnSpc>
-              <a:spcPct val="90000"/>
-            </a:lnSpc>
-            <a:spcBef>
-              <a:spcPct val="0"/>
-            </a:spcBef>
-            <a:spcAft>
-              <a:spcPct val="35000"/>
-            </a:spcAft>
-          </a:pPr>
-          <a:endParaRPr lang="en-US" sz="2000" kern="1200" dirty="0"/>
-        </a:p>
-      </dsp:txBody>
-      <dsp:txXfrm>
-        <a:off x="8409359" y="493248"/>
-        <a:ext cx="322451" cy="325333"/>
-      </dsp:txXfrm>
-    </dsp:sp>
-    <dsp:sp modelId="{8E0F8A50-BD07-4B28-9DA3-4F6819830DE5}">
-      <dsp:nvSpPr>
-        <dsp:cNvPr id="0" name=""/>
-        <dsp:cNvSpPr/>
-      </dsp:nvSpPr>
-      <dsp:spPr>
-        <a:xfrm>
-          <a:off x="9061214" y="0"/>
-          <a:ext cx="2186384" cy="1311830"/>
-        </a:xfrm>
-        <a:prstGeom prst="roundRect">
-          <a:avLst>
-            <a:gd name="adj" fmla="val 10000"/>
-          </a:avLst>
-        </a:prstGeom>
-        <a:solidFill>
-          <a:schemeClr val="accent1">
-            <a:hueOff val="0"/>
-            <a:satOff val="0"/>
-            <a:lumOff val="0"/>
-            <a:alphaOff val="0"/>
-          </a:schemeClr>
-        </a:solidFill>
-        <a:ln w="25400" cap="flat" cmpd="sng" algn="ctr">
-          <a:solidFill>
-            <a:schemeClr val="lt1">
-              <a:hueOff val="0"/>
-              <a:satOff val="0"/>
-              <a:lumOff val="0"/>
-              <a:alphaOff val="0"/>
-            </a:schemeClr>
-          </a:solidFill>
-          <a:prstDash val="solid"/>
-        </a:ln>
-        <a:effectLst/>
-      </dsp:spPr>
-      <dsp:style>
-        <a:lnRef idx="2">
-          <a:scrgbClr r="0" g="0" b="0"/>
-        </a:lnRef>
-        <a:fillRef idx="1">
-          <a:scrgbClr r="0" g="0" b="0"/>
-        </a:fillRef>
-        <a:effectRef idx="0">
-          <a:scrgbClr r="0" g="0" b="0"/>
-        </a:effectRef>
-        <a:fontRef idx="minor">
-          <a:schemeClr val="lt1"/>
-        </a:fontRef>
-      </dsp:style>
-      <dsp:txBody>
-        <a:bodyPr spcFirstLastPara="0" vert="horz" wrap="square" lIns="95250" tIns="95250" rIns="95250" bIns="95250" numCol="1" spcCol="1270" anchor="ctr" anchorCtr="0">
-          <a:noAutofit/>
-        </a:bodyPr>
-        <a:lstStyle/>
-        <a:p>
-          <a:pPr lvl="0" algn="ctr" defTabSz="1111250">
-            <a:lnSpc>
-              <a:spcPct val="90000"/>
-            </a:lnSpc>
-            <a:spcBef>
-              <a:spcPct val="0"/>
-            </a:spcBef>
-            <a:spcAft>
-              <a:spcPct val="35000"/>
-            </a:spcAft>
-          </a:pPr>
-          <a:r>
-            <a:rPr lang="en-US" sz="2500" kern="1200" dirty="0" smtClean="0"/>
-            <a:t>Board bring up &amp; Validation</a:t>
-          </a:r>
-          <a:endParaRPr lang="en-US" sz="2500" kern="1200" dirty="0"/>
-        </a:p>
-      </dsp:txBody>
-      <dsp:txXfrm>
-        <a:off x="9099636" y="38422"/>
-        <a:ext cx="2109540" cy="1234986"/>
-      </dsp:txXfrm>
-    </dsp:sp>
   </dsp:spTree>
 </dsp:drawing>
 </file>
@@ -2776,369 +2252,6 @@
       <dsp:cNvGrpSpPr/>
     </dsp:nvGrpSpPr>
     <dsp:grpSpPr/>
-    <dsp:sp modelId="{94701EC7-B349-455A-A37A-ABF596B62AC9}">
-      <dsp:nvSpPr>
-        <dsp:cNvPr id="0" name=""/>
-        <dsp:cNvSpPr/>
-      </dsp:nvSpPr>
-      <dsp:spPr>
-        <a:xfrm>
-          <a:off x="0" y="2549232"/>
-          <a:ext cx="1994296" cy="1196578"/>
-        </a:xfrm>
-        <a:prstGeom prst="roundRect">
-          <a:avLst>
-            <a:gd name="adj" fmla="val 10000"/>
-          </a:avLst>
-        </a:prstGeom>
-        <a:solidFill>
-          <a:schemeClr val="accent3">
-            <a:lumMod val="60000"/>
-            <a:lumOff val="40000"/>
-          </a:schemeClr>
-        </a:solidFill>
-        <a:ln w="25400" cap="flat" cmpd="sng" algn="ctr">
-          <a:solidFill>
-            <a:schemeClr val="lt1">
-              <a:hueOff val="0"/>
-              <a:satOff val="0"/>
-              <a:lumOff val="0"/>
-              <a:alphaOff val="0"/>
-            </a:schemeClr>
-          </a:solidFill>
-          <a:prstDash val="solid"/>
-        </a:ln>
-        <a:effectLst/>
-      </dsp:spPr>
-      <dsp:style>
-        <a:lnRef idx="2">
-          <a:scrgbClr r="0" g="0" b="0"/>
-        </a:lnRef>
-        <a:fillRef idx="1">
-          <a:scrgbClr r="0" g="0" b="0"/>
-        </a:fillRef>
-        <a:effectRef idx="0">
-          <a:scrgbClr r="0" g="0" b="0"/>
-        </a:effectRef>
-        <a:fontRef idx="minor">
-          <a:schemeClr val="lt1"/>
-        </a:fontRef>
-      </dsp:style>
-      <dsp:txBody>
-        <a:bodyPr spcFirstLastPara="0" vert="horz" wrap="square" lIns="76200" tIns="76200" rIns="76200" bIns="76200" numCol="1" spcCol="1270" anchor="ctr" anchorCtr="0">
-          <a:noAutofit/>
-        </a:bodyPr>
-        <a:lstStyle/>
-        <a:p>
-          <a:pPr lvl="0" algn="ctr" defTabSz="889000">
-            <a:lnSpc>
-              <a:spcPct val="90000"/>
-            </a:lnSpc>
-            <a:spcBef>
-              <a:spcPct val="0"/>
-            </a:spcBef>
-            <a:spcAft>
-              <a:spcPct val="35000"/>
-            </a:spcAft>
-          </a:pPr>
-          <a:r>
-            <a:rPr lang="en-US" sz="2000" kern="1200" dirty="0" smtClean="0"/>
-            <a:t>Fault Model development for key interfaces</a:t>
-          </a:r>
-          <a:endParaRPr lang="en-US" sz="2000" kern="1200" dirty="0"/>
-        </a:p>
-      </dsp:txBody>
-      <dsp:txXfrm>
-        <a:off x="35047" y="2584279"/>
-        <a:ext cx="1924202" cy="1126484"/>
-      </dsp:txXfrm>
-    </dsp:sp>
-    <dsp:sp modelId="{48888DC4-3DD8-4A9E-BC0D-5628ACE084E9}">
-      <dsp:nvSpPr>
-        <dsp:cNvPr id="0" name=""/>
-        <dsp:cNvSpPr/>
-      </dsp:nvSpPr>
-      <dsp:spPr>
-        <a:xfrm rot="72762">
-          <a:off x="2111543" y="2926451"/>
-          <a:ext cx="248676" cy="494585"/>
-        </a:xfrm>
-        <a:prstGeom prst="rightArrow">
-          <a:avLst>
-            <a:gd name="adj1" fmla="val 60000"/>
-            <a:gd name="adj2" fmla="val 50000"/>
-          </a:avLst>
-        </a:prstGeom>
-        <a:solidFill>
-          <a:schemeClr val="accent3">
-            <a:lumMod val="60000"/>
-            <a:lumOff val="40000"/>
-          </a:schemeClr>
-        </a:solidFill>
-        <a:ln>
-          <a:noFill/>
-        </a:ln>
-        <a:effectLst/>
-      </dsp:spPr>
-      <dsp:style>
-        <a:lnRef idx="0">
-          <a:scrgbClr r="0" g="0" b="0"/>
-        </a:lnRef>
-        <a:fillRef idx="1">
-          <a:scrgbClr r="0" g="0" b="0"/>
-        </a:fillRef>
-        <a:effectRef idx="0">
-          <a:scrgbClr r="0" g="0" b="0"/>
-        </a:effectRef>
-        <a:fontRef idx="minor">
-          <a:schemeClr val="lt1"/>
-        </a:fontRef>
-      </dsp:style>
-      <dsp:txBody>
-        <a:bodyPr spcFirstLastPara="0" vert="horz" wrap="square" lIns="0" tIns="0" rIns="0" bIns="0" numCol="1" spcCol="1270" anchor="ctr" anchorCtr="0">
-          <a:noAutofit/>
-        </a:bodyPr>
-        <a:lstStyle/>
-        <a:p>
-          <a:pPr lvl="0" algn="ctr" defTabSz="711200">
-            <a:lnSpc>
-              <a:spcPct val="90000"/>
-            </a:lnSpc>
-            <a:spcBef>
-              <a:spcPct val="0"/>
-            </a:spcBef>
-            <a:spcAft>
-              <a:spcPct val="35000"/>
-            </a:spcAft>
-          </a:pPr>
-          <a:endParaRPr lang="en-US" sz="1600" kern="1200" dirty="0"/>
-        </a:p>
-      </dsp:txBody>
-      <dsp:txXfrm>
-        <a:off x="2111551" y="3024579"/>
-        <a:ext cx="174073" cy="296751"/>
-      </dsp:txXfrm>
-    </dsp:sp>
-    <dsp:sp modelId="{8CDE906D-4560-4B09-824C-08A55283325B}">
-      <dsp:nvSpPr>
-        <dsp:cNvPr id="0" name=""/>
-        <dsp:cNvSpPr/>
-      </dsp:nvSpPr>
-      <dsp:spPr>
-        <a:xfrm>
-          <a:off x="2463393" y="2601379"/>
-          <a:ext cx="1994296" cy="1196578"/>
-        </a:xfrm>
-        <a:prstGeom prst="roundRect">
-          <a:avLst>
-            <a:gd name="adj" fmla="val 10000"/>
-          </a:avLst>
-        </a:prstGeom>
-        <a:solidFill>
-          <a:schemeClr val="accent3">
-            <a:lumMod val="60000"/>
-            <a:lumOff val="40000"/>
-          </a:schemeClr>
-        </a:solidFill>
-        <a:ln w="25400" cap="flat" cmpd="sng" algn="ctr">
-          <a:solidFill>
-            <a:schemeClr val="lt1">
-              <a:hueOff val="0"/>
-              <a:satOff val="0"/>
-              <a:lumOff val="0"/>
-              <a:alphaOff val="0"/>
-            </a:schemeClr>
-          </a:solidFill>
-          <a:prstDash val="solid"/>
-        </a:ln>
-        <a:effectLst/>
-      </dsp:spPr>
-      <dsp:style>
-        <a:lnRef idx="2">
-          <a:scrgbClr r="0" g="0" b="0"/>
-        </a:lnRef>
-        <a:fillRef idx="1">
-          <a:scrgbClr r="0" g="0" b="0"/>
-        </a:fillRef>
-        <a:effectRef idx="0">
-          <a:scrgbClr r="0" g="0" b="0"/>
-        </a:effectRef>
-        <a:fontRef idx="minor">
-          <a:schemeClr val="lt1"/>
-        </a:fontRef>
-      </dsp:style>
-      <dsp:txBody>
-        <a:bodyPr spcFirstLastPara="0" vert="horz" wrap="square" lIns="76200" tIns="76200" rIns="76200" bIns="76200" numCol="1" spcCol="1270" anchor="ctr" anchorCtr="0">
-          <a:noAutofit/>
-        </a:bodyPr>
-        <a:lstStyle/>
-        <a:p>
-          <a:pPr lvl="0" algn="ctr" defTabSz="889000">
-            <a:lnSpc>
-              <a:spcPct val="90000"/>
-            </a:lnSpc>
-            <a:spcBef>
-              <a:spcPct val="0"/>
-            </a:spcBef>
-            <a:spcAft>
-              <a:spcPct val="35000"/>
-            </a:spcAft>
-          </a:pPr>
-          <a:r>
-            <a:rPr lang="en-US" sz="2000" kern="1200" dirty="0" smtClean="0"/>
-            <a:t>Test algorithm development</a:t>
-          </a:r>
-          <a:endParaRPr lang="en-US" sz="2000" kern="1200" dirty="0"/>
-        </a:p>
-      </dsp:txBody>
-      <dsp:txXfrm>
-        <a:off x="2498440" y="2636426"/>
-        <a:ext cx="1924202" cy="1126484"/>
-      </dsp:txXfrm>
-    </dsp:sp>
-    <dsp:sp modelId="{39D3EB69-B159-4E4E-9272-61D276FD91F8}">
-      <dsp:nvSpPr>
-        <dsp:cNvPr id="0" name=""/>
-        <dsp:cNvSpPr/>
-      </dsp:nvSpPr>
-      <dsp:spPr>
-        <a:xfrm rot="21560633">
-          <a:off x="4626152" y="2936982"/>
-          <a:ext cx="357188" cy="494585"/>
-        </a:xfrm>
-        <a:prstGeom prst="rightArrow">
-          <a:avLst>
-            <a:gd name="adj1" fmla="val 60000"/>
-            <a:gd name="adj2" fmla="val 50000"/>
-          </a:avLst>
-        </a:prstGeom>
-        <a:solidFill>
-          <a:schemeClr val="accent3">
-            <a:lumMod val="60000"/>
-            <a:lumOff val="40000"/>
-          </a:schemeClr>
-        </a:solidFill>
-        <a:ln>
-          <a:noFill/>
-        </a:ln>
-        <a:effectLst/>
-      </dsp:spPr>
-      <dsp:style>
-        <a:lnRef idx="0">
-          <a:scrgbClr r="0" g="0" b="0"/>
-        </a:lnRef>
-        <a:fillRef idx="1">
-          <a:scrgbClr r="0" g="0" b="0"/>
-        </a:fillRef>
-        <a:effectRef idx="0">
-          <a:scrgbClr r="0" g="0" b="0"/>
-        </a:effectRef>
-        <a:fontRef idx="minor">
-          <a:schemeClr val="lt1"/>
-        </a:fontRef>
-      </dsp:style>
-      <dsp:txBody>
-        <a:bodyPr spcFirstLastPara="0" vert="horz" wrap="square" lIns="0" tIns="0" rIns="0" bIns="0" numCol="1" spcCol="1270" anchor="ctr" anchorCtr="0">
-          <a:noAutofit/>
-        </a:bodyPr>
-        <a:lstStyle/>
-        <a:p>
-          <a:pPr lvl="0" algn="ctr" defTabSz="711200">
-            <a:lnSpc>
-              <a:spcPct val="90000"/>
-            </a:lnSpc>
-            <a:spcBef>
-              <a:spcPct val="0"/>
-            </a:spcBef>
-            <a:spcAft>
-              <a:spcPct val="35000"/>
-            </a:spcAft>
-          </a:pPr>
-          <a:endParaRPr lang="en-US" sz="1600" kern="1200" dirty="0"/>
-        </a:p>
-      </dsp:txBody>
-      <dsp:txXfrm>
-        <a:off x="4626156" y="3036513"/>
-        <a:ext cx="250032" cy="296751"/>
-      </dsp:txXfrm>
-    </dsp:sp>
-    <dsp:sp modelId="{56939579-4F62-47CA-8D70-C392A0297AA8}">
-      <dsp:nvSpPr>
-        <dsp:cNvPr id="0" name=""/>
-        <dsp:cNvSpPr/>
-      </dsp:nvSpPr>
-      <dsp:spPr>
-        <a:xfrm>
-          <a:off x="5131587" y="2567708"/>
-          <a:ext cx="2538420" cy="1196578"/>
-        </a:xfrm>
-        <a:prstGeom prst="roundRect">
-          <a:avLst>
-            <a:gd name="adj" fmla="val 10000"/>
-          </a:avLst>
-        </a:prstGeom>
-        <a:solidFill>
-          <a:schemeClr val="accent3">
-            <a:lumMod val="60000"/>
-            <a:lumOff val="40000"/>
-          </a:schemeClr>
-        </a:solidFill>
-        <a:ln w="25400" cap="flat" cmpd="sng" algn="ctr">
-          <a:solidFill>
-            <a:schemeClr val="lt1">
-              <a:hueOff val="0"/>
-              <a:satOff val="0"/>
-              <a:lumOff val="0"/>
-              <a:alphaOff val="0"/>
-            </a:schemeClr>
-          </a:solidFill>
-          <a:prstDash val="solid"/>
-        </a:ln>
-        <a:effectLst/>
-      </dsp:spPr>
-      <dsp:style>
-        <a:lnRef idx="2">
-          <a:scrgbClr r="0" g="0" b="0"/>
-        </a:lnRef>
-        <a:fillRef idx="1">
-          <a:scrgbClr r="0" g="0" b="0"/>
-        </a:fillRef>
-        <a:effectRef idx="0">
-          <a:scrgbClr r="0" g="0" b="0"/>
-        </a:effectRef>
-        <a:fontRef idx="minor">
-          <a:schemeClr val="lt1"/>
-        </a:fontRef>
-      </dsp:style>
-      <dsp:txBody>
-        <a:bodyPr spcFirstLastPara="0" vert="horz" wrap="square" lIns="76200" tIns="76200" rIns="76200" bIns="76200" numCol="1" spcCol="1270" anchor="ctr" anchorCtr="0">
-          <a:noAutofit/>
-        </a:bodyPr>
-        <a:lstStyle/>
-        <a:p>
-          <a:pPr lvl="0" algn="ctr" defTabSz="889000">
-            <a:lnSpc>
-              <a:spcPct val="90000"/>
-            </a:lnSpc>
-            <a:spcBef>
-              <a:spcPct val="0"/>
-            </a:spcBef>
-            <a:spcAft>
-              <a:spcPct val="35000"/>
-            </a:spcAft>
-          </a:pPr>
-          <a:r>
-            <a:rPr lang="en-US" sz="2000" kern="1200" dirty="0" smtClean="0"/>
-            <a:t>Test algorithm implementation</a:t>
-          </a:r>
-          <a:endParaRPr lang="en-US" sz="2000" kern="1200" dirty="0"/>
-        </a:p>
-      </dsp:txBody>
-      <dsp:txXfrm>
-        <a:off x="5166634" y="2602755"/>
-        <a:ext cx="2468326" cy="1126484"/>
-      </dsp:txXfrm>
-    </dsp:sp>
   </dsp:spTree>
 </dsp:drawing>
 </file>
@@ -5585,7 +4698,7 @@
           <a:p>
             <a:fld id="{083A016B-6F83-498C-8C35-577221115AB8}" type="datetimeFigureOut">
               <a:rPr lang="en-US" smtClean="0"/>
-              <a:t>2/4/2020</a:t>
+              <a:t>8/16/2020</a:t>
             </a:fld>
             <a:endParaRPr lang="en-US" dirty="0"/>
           </a:p>
@@ -6576,7 +5689,7 @@
             <a:fld id="{B61BEF0D-F0BB-DE4B-95CE-6DB70DBA9567}" type="datetimeFigureOut">
               <a:rPr lang="en-US" dirty="0"/>
               <a:pPr/>
-              <a:t>2/4/2020</a:t>
+              <a:t>8/16/2020</a:t>
             </a:fld>
             <a:endParaRPr lang="en-US" dirty="0"/>
           </a:p>
@@ -6824,7 +5937,7 @@
             <a:fld id="{B61BEF0D-F0BB-DE4B-95CE-6DB70DBA9567}" type="datetimeFigureOut">
               <a:rPr lang="en-US" dirty="0"/>
               <a:pPr/>
-              <a:t>2/4/2020</a:t>
+              <a:t>8/16/2020</a:t>
             </a:fld>
             <a:endParaRPr lang="en-US" dirty="0"/>
           </a:p>
@@ -7135,7 +6248,7 @@
             <a:fld id="{B61BEF0D-F0BB-DE4B-95CE-6DB70DBA9567}" type="datetimeFigureOut">
               <a:rPr lang="en-US" dirty="0"/>
               <a:pPr/>
-              <a:t>2/4/2020</a:t>
+              <a:t>8/16/2020</a:t>
             </a:fld>
             <a:endParaRPr lang="en-US" dirty="0"/>
           </a:p>
@@ -7473,7 +6586,7 @@
             <a:fld id="{B61BEF0D-F0BB-DE4B-95CE-6DB70DBA9567}" type="datetimeFigureOut">
               <a:rPr lang="en-US" dirty="0"/>
               <a:pPr/>
-              <a:t>2/4/2020</a:t>
+              <a:t>8/16/2020</a:t>
             </a:fld>
             <a:endParaRPr lang="en-US" dirty="0"/>
           </a:p>
@@ -7784,7 +6897,7 @@
             <a:fld id="{B61BEF0D-F0BB-DE4B-95CE-6DB70DBA9567}" type="datetimeFigureOut">
               <a:rPr lang="en-US" dirty="0"/>
               <a:pPr/>
-              <a:t>2/4/2020</a:t>
+              <a:t>8/16/2020</a:t>
             </a:fld>
             <a:endParaRPr lang="en-US" dirty="0"/>
           </a:p>
@@ -8174,7 +7287,7 @@
             <a:fld id="{B61BEF0D-F0BB-DE4B-95CE-6DB70DBA9567}" type="datetimeFigureOut">
               <a:rPr lang="en-US" dirty="0"/>
               <a:pPr/>
-              <a:t>2/4/2020</a:t>
+              <a:t>8/16/2020</a:t>
             </a:fld>
             <a:endParaRPr lang="en-US" dirty="0"/>
           </a:p>
@@ -8340,7 +7453,7 @@
           <a:p>
             <a:fld id="{55C6B4A9-1611-4792-9094-5F34BCA07E0B}" type="datetimeFigureOut">
               <a:rPr lang="en-US" dirty="0"/>
-              <a:t>2/4/2020</a:t>
+              <a:t>8/16/2020</a:t>
             </a:fld>
             <a:endParaRPr lang="en-US" dirty="0"/>
           </a:p>
@@ -8516,7 +7629,7 @@
             <a:fld id="{B61BEF0D-F0BB-DE4B-95CE-6DB70DBA9567}" type="datetimeFigureOut">
               <a:rPr lang="en-US" dirty="0"/>
               <a:pPr/>
-              <a:t>2/4/2020</a:t>
+              <a:t>8/16/2020</a:t>
             </a:fld>
             <a:endParaRPr lang="en-US" dirty="0"/>
           </a:p>
@@ -8761,7 +7874,7 @@
                 </a:solidFill>
               </a:rPr>
               <a:pPr/>
-              <a:t>2/4/2020</a:t>
+              <a:t>8/16/2020</a:t>
             </a:fld>
             <a:endParaRPr lang="en-US" dirty="0">
               <a:solidFill>
@@ -8963,7 +8076,7 @@
                 </a:solidFill>
               </a:rPr>
               <a:pPr/>
-              <a:t>2/4/2020</a:t>
+              <a:t>8/16/2020</a:t>
             </a:fld>
             <a:endParaRPr lang="en-US" dirty="0">
               <a:solidFill>
@@ -9241,7 +8354,7 @@
                 </a:solidFill>
               </a:rPr>
               <a:pPr/>
-              <a:t>2/4/2020</a:t>
+              <a:t>8/16/2020</a:t>
             </a:fld>
             <a:endParaRPr lang="en-US" dirty="0">
               <a:solidFill>
@@ -9443,7 +8556,7 @@
             <a:fld id="{B61BEF0D-F0BB-DE4B-95CE-6DB70DBA9567}" type="datetimeFigureOut">
               <a:rPr lang="en-US" dirty="0"/>
               <a:pPr/>
-              <a:t>2/4/2020</a:t>
+              <a:t>8/16/2020</a:t>
             </a:fld>
             <a:endParaRPr lang="en-US" dirty="0"/>
           </a:p>
@@ -9741,7 +8854,7 @@
                 </a:solidFill>
               </a:rPr>
               <a:pPr/>
-              <a:t>2/4/2020</a:t>
+              <a:t>8/16/2020</a:t>
             </a:fld>
             <a:endParaRPr lang="en-US" dirty="0">
               <a:solidFill>
@@ -10195,7 +9308,7 @@
                 </a:solidFill>
               </a:rPr>
               <a:pPr/>
-              <a:t>2/4/2020</a:t>
+              <a:t>8/16/2020</a:t>
             </a:fld>
             <a:endParaRPr lang="en-US" dirty="0">
               <a:solidFill>
@@ -10345,7 +9458,7 @@
                 </a:solidFill>
               </a:rPr>
               <a:pPr/>
-              <a:t>2/4/2020</a:t>
+              <a:t>8/16/2020</a:t>
             </a:fld>
             <a:endParaRPr lang="en-US" dirty="0">
               <a:solidFill>
@@ -10472,7 +9585,7 @@
                 </a:solidFill>
               </a:rPr>
               <a:pPr/>
-              <a:t>2/4/2020</a:t>
+              <a:t>8/16/2020</a:t>
             </a:fld>
             <a:endParaRPr lang="en-US" dirty="0">
               <a:solidFill>
@@ -10781,7 +9894,7 @@
                 </a:solidFill>
               </a:rPr>
               <a:pPr/>
-              <a:t>2/4/2020</a:t>
+              <a:t>8/16/2020</a:t>
             </a:fld>
             <a:endParaRPr lang="en-US" dirty="0">
               <a:solidFill>
@@ -11066,7 +10179,7 @@
                 </a:solidFill>
               </a:rPr>
               <a:pPr/>
-              <a:t>2/4/2020</a:t>
+              <a:t>8/16/2020</a:t>
             </a:fld>
             <a:endParaRPr lang="en-US" dirty="0">
               <a:solidFill>
@@ -11268,7 +10381,7 @@
                 </a:solidFill>
               </a:rPr>
               <a:pPr/>
-              <a:t>2/4/2020</a:t>
+              <a:t>8/16/2020</a:t>
             </a:fld>
             <a:endParaRPr lang="en-US" dirty="0">
               <a:solidFill>
@@ -11480,7 +10593,7 @@
                 </a:solidFill>
               </a:rPr>
               <a:pPr/>
-              <a:t>2/4/2020</a:t>
+              <a:t>8/16/2020</a:t>
             </a:fld>
             <a:endParaRPr lang="en-US" dirty="0">
               <a:solidFill>
@@ -11753,7 +10866,7 @@
             <a:fld id="{B61BEF0D-F0BB-DE4B-95CE-6DB70DBA9567}" type="datetimeFigureOut">
               <a:rPr lang="en-US" dirty="0"/>
               <a:pPr/>
-              <a:t>2/4/2020</a:t>
+              <a:t>8/16/2020</a:t>
             </a:fld>
             <a:endParaRPr lang="en-US" dirty="0"/>
           </a:p>
@@ -11981,7 +11094,7 @@
           <a:p>
             <a:fld id="{EB712588-04B1-427B-82EE-E8DB90309F08}" type="datetimeFigureOut">
               <a:rPr lang="en-US" dirty="0"/>
-              <a:t>2/4/2020</a:t>
+              <a:t>8/16/2020</a:t>
             </a:fld>
             <a:endParaRPr lang="en-US" dirty="0"/>
           </a:p>
@@ -12351,7 +11464,7 @@
             <a:fld id="{B61BEF0D-F0BB-DE4B-95CE-6DB70DBA9567}" type="datetimeFigureOut">
               <a:rPr lang="en-US" dirty="0"/>
               <a:pPr/>
-              <a:t>2/4/2020</a:t>
+              <a:t>8/16/2020</a:t>
             </a:fld>
             <a:endParaRPr lang="en-US" dirty="0"/>
           </a:p>
@@ -12471,7 +11584,7 @@
             <a:fld id="{B61BEF0D-F0BB-DE4B-95CE-6DB70DBA9567}" type="datetimeFigureOut">
               <a:rPr lang="en-US" dirty="0"/>
               <a:pPr/>
-              <a:t>2/4/2020</a:t>
+              <a:t>8/16/2020</a:t>
             </a:fld>
             <a:endParaRPr lang="en-US" dirty="0"/>
           </a:p>
@@ -12563,7 +11676,7 @@
             <a:fld id="{B61BEF0D-F0BB-DE4B-95CE-6DB70DBA9567}" type="datetimeFigureOut">
               <a:rPr lang="en-US" dirty="0"/>
               <a:pPr/>
-              <a:t>2/4/2020</a:t>
+              <a:t>8/16/2020</a:t>
             </a:fld>
             <a:endParaRPr lang="en-US" dirty="0"/>
           </a:p>
@@ -12814,7 +11927,7 @@
           <a:p>
             <a:fld id="{42A54C80-263E-416B-A8E0-580EDEADCBDC}" type="datetimeFigureOut">
               <a:rPr lang="en-US" dirty="0"/>
-              <a:t>2/4/2020</a:t>
+              <a:t>8/16/2020</a:t>
             </a:fld>
             <a:endParaRPr lang="en-US" dirty="0"/>
           </a:p>
@@ -13072,7 +12185,7 @@
             <a:fld id="{B61BEF0D-F0BB-DE4B-95CE-6DB70DBA9567}" type="datetimeFigureOut">
               <a:rPr lang="en-US" dirty="0"/>
               <a:pPr/>
-              <a:t>2/4/2020</a:t>
+              <a:t>8/16/2020</a:t>
             </a:fld>
             <a:endParaRPr lang="en-US" dirty="0"/>
           </a:p>
@@ -13812,7 +12925,7 @@
             <a:fld id="{B61BEF0D-F0BB-DE4B-95CE-6DB70DBA9567}" type="datetimeFigureOut">
               <a:rPr lang="en-US" dirty="0"/>
               <a:pPr/>
-              <a:t>2/4/2020</a:t>
+              <a:t>8/16/2020</a:t>
             </a:fld>
             <a:endParaRPr lang="en-US" dirty="0"/>
           </a:p>
@@ -14475,7 +13588,7 @@
                 </a:solidFill>
               </a:rPr>
               <a:pPr defTabSz="914400"/>
-              <a:t>2/4/2020</a:t>
+              <a:t>8/16/2020</a:t>
             </a:fld>
             <a:endParaRPr lang="en-US" dirty="0">
               <a:solidFill>
@@ -14882,7 +13995,7 @@
           <p:cNvPr id="2" name="Title 1">
             <a:extLst>
               <a:ext uri="{FF2B5EF4-FFF2-40B4-BE49-F238E27FC236}">
-                <a16:creationId xmlns="" xmlns:a16="http://schemas.microsoft.com/office/drawing/2014/main" id="{213D42DE-8988-7F41-A6E6-1C01DF0FEA8F}"/>
+                <a16:creationId xmlns:a16="http://schemas.microsoft.com/office/drawing/2014/main" xmlns="" id="{213D42DE-8988-7F41-A6E6-1C01DF0FEA8F}"/>
               </a:ext>
             </a:extLst>
           </p:cNvPr>
@@ -14915,7 +14028,7 @@
           <p:cNvPr id="3" name="Subtitle 2">
             <a:extLst>
               <a:ext uri="{FF2B5EF4-FFF2-40B4-BE49-F238E27FC236}">
-                <a16:creationId xmlns="" xmlns:a16="http://schemas.microsoft.com/office/drawing/2014/main" id="{5A3F8C62-8893-D24E-9442-AD72DB4C2B33}"/>
+                <a16:creationId xmlns:a16="http://schemas.microsoft.com/office/drawing/2014/main" xmlns="" id="{5A3F8C62-8893-D24E-9442-AD72DB4C2B33}"/>
               </a:ext>
             </a:extLst>
           </p:cNvPr>
@@ -14968,141 +14081,6 @@
 </file>
 
 <file path=ppt/slides/slide10.xml><?xml version="1.0" encoding="utf-8"?>
-<p:sld xmlns:a="http://schemas.openxmlformats.org/drawingml/2006/main" xmlns:r="http://schemas.openxmlformats.org/officeDocument/2006/relationships" xmlns:p="http://schemas.openxmlformats.org/presentationml/2006/main">
-  <p:cSld>
-    <p:spTree>
-      <p:nvGrpSpPr>
-        <p:cNvPr id="1" name=""/>
-        <p:cNvGrpSpPr/>
-        <p:nvPr/>
-      </p:nvGrpSpPr>
-      <p:grpSpPr>
-        <a:xfrm>
-          <a:off x="0" y="0"/>
-          <a:ext cx="0" cy="0"/>
-          <a:chOff x="0" y="0"/>
-          <a:chExt cx="0" cy="0"/>
-        </a:xfrm>
-      </p:grpSpPr>
-      <p:sp>
-        <p:nvSpPr>
-          <p:cNvPr id="2" name="Title 1">
-            <a:extLst>
-              <a:ext uri="{FF2B5EF4-FFF2-40B4-BE49-F238E27FC236}">
-                <a16:creationId xmlns="" xmlns:a16="http://schemas.microsoft.com/office/drawing/2014/main" id="{D902E568-A5EA-BF41-9814-5B74652B0933}"/>
-              </a:ext>
-            </a:extLst>
-          </p:cNvPr>
-          <p:cNvSpPr>
-            <a:spLocks noGrp="1"/>
-          </p:cNvSpPr>
-          <p:nvPr>
-            <p:ph type="title"/>
-          </p:nvPr>
-        </p:nvSpPr>
-        <p:spPr/>
-        <p:txBody>
-          <a:bodyPr/>
-          <a:lstStyle/>
-          <a:p>
-            <a:r>
-              <a:rPr lang="en-US" dirty="0"/>
-              <a:t>Fault model for I2C interface</a:t>
-            </a:r>
-          </a:p>
-        </p:txBody>
-      </p:sp>
-      <p:sp>
-        <p:nvSpPr>
-          <p:cNvPr id="3" name="Content Placeholder 2">
-            <a:extLst>
-              <a:ext uri="{FF2B5EF4-FFF2-40B4-BE49-F238E27FC236}">
-                <a16:creationId xmlns="" xmlns:a16="http://schemas.microsoft.com/office/drawing/2014/main" id="{5C902F7F-C631-E84B-83D3-DF2963109F50}"/>
-              </a:ext>
-            </a:extLst>
-          </p:cNvPr>
-          <p:cNvSpPr>
-            <a:spLocks noGrp="1"/>
-          </p:cNvSpPr>
-          <p:nvPr>
-            <p:ph idx="1"/>
-          </p:nvPr>
-        </p:nvSpPr>
-        <p:spPr/>
-        <p:txBody>
-          <a:bodyPr>
-            <a:normAutofit/>
-          </a:bodyPr>
-          <a:lstStyle/>
-          <a:p>
-            <a:r>
-              <a:rPr lang="en-US" dirty="0"/>
-              <a:t>I have created </a:t>
-            </a:r>
-          </a:p>
-          <a:p>
-            <a:pPr lvl="1"/>
-            <a:r>
-              <a:rPr lang="en-US" dirty="0"/>
-              <a:t>behavioral model based on the I2C specification</a:t>
-            </a:r>
-          </a:p>
-          <a:p>
-            <a:pPr lvl="1"/>
-            <a:r>
-              <a:rPr lang="en-US" dirty="0"/>
-              <a:t>Functional model based on open source I2C implementation</a:t>
-            </a:r>
-          </a:p>
-          <a:p>
-            <a:pPr lvl="1"/>
-            <a:r>
-              <a:rPr lang="en-US" dirty="0"/>
-              <a:t>Structural analysis based on the I2C specification</a:t>
-            </a:r>
-          </a:p>
-          <a:p>
-            <a:pPr lvl="1"/>
-            <a:r>
-              <a:rPr lang="en-US" dirty="0"/>
-              <a:t>Timing model is leveraged from the specification.</a:t>
-            </a:r>
-          </a:p>
-          <a:p>
-            <a:r>
-              <a:rPr lang="en-US" dirty="0"/>
-              <a:t>I have created Fault models based on the above HW models </a:t>
-            </a:r>
-          </a:p>
-          <a:p>
-            <a:endParaRPr lang="en-US" dirty="0"/>
-          </a:p>
-          <a:p>
-            <a:endParaRPr lang="en-US" dirty="0"/>
-          </a:p>
-        </p:txBody>
-      </p:sp>
-    </p:spTree>
-    <p:extLst>
-      <p:ext uri="{BB962C8B-B14F-4D97-AF65-F5344CB8AC3E}">
-        <p14:creationId xmlns:p14="http://schemas.microsoft.com/office/powerpoint/2010/main" val="523464050"/>
-      </p:ext>
-    </p:extLst>
-  </p:cSld>
-  <p:clrMapOvr>
-    <a:masterClrMapping/>
-  </p:clrMapOvr>
-  <p:timing>
-    <p:tnLst>
-      <p:par>
-        <p:cTn id="1" dur="indefinite" restart="never" nodeType="tmRoot"/>
-      </p:par>
-    </p:tnLst>
-  </p:timing>
-</p:sld>
-</file>
-
-<file path=ppt/slides/slide11.xml><?xml version="1.0" encoding="utf-8"?>
 <p:sld xmlns:a="http://schemas.openxmlformats.org/drawingml/2006/main" xmlns:r="http://schemas.openxmlformats.org/officeDocument/2006/relationships" xmlns:p="http://schemas.openxmlformats.org/presentationml/2006/main">
   <p:cSld>
     <p:spTree>
@@ -15194,7 +14172,7 @@
 </p:sld>
 </file>
 
-<file path=ppt/slides/slide12.xml><?xml version="1.0" encoding="utf-8"?>
+<file path=ppt/slides/slide11.xml><?xml version="1.0" encoding="utf-8"?>
 <p:sld xmlns:a="http://schemas.openxmlformats.org/drawingml/2006/main" xmlns:r="http://schemas.openxmlformats.org/officeDocument/2006/relationships" xmlns:p="http://schemas.openxmlformats.org/presentationml/2006/main">
   <p:cSld>
     <p:spTree>
@@ -15286,7 +14264,7 @@
 </p:sld>
 </file>
 
-<file path=ppt/slides/slide13.xml><?xml version="1.0" encoding="utf-8"?>
+<file path=ppt/slides/slide12.xml><?xml version="1.0" encoding="utf-8"?>
 <p:sld xmlns:a="http://schemas.openxmlformats.org/drawingml/2006/main" xmlns:r="http://schemas.openxmlformats.org/officeDocument/2006/relationships" xmlns:p="http://schemas.openxmlformats.org/presentationml/2006/main">
   <p:cSld>
     <p:spTree>
@@ -15378,7 +14356,7 @@
 </p:sld>
 </file>
 
-<file path=ppt/slides/slide14.xml><?xml version="1.0" encoding="utf-8"?>
+<file path=ppt/slides/slide13.xml><?xml version="1.0" encoding="utf-8"?>
 <p:sld xmlns:a="http://schemas.openxmlformats.org/drawingml/2006/main" xmlns:r="http://schemas.openxmlformats.org/officeDocument/2006/relationships" xmlns:p="http://schemas.openxmlformats.org/presentationml/2006/main">
   <p:cSld>
     <p:spTree>
@@ -15529,7 +14507,13 @@
       </p:grpSpPr>
       <p:sp>
         <p:nvSpPr>
-          <p:cNvPr id="2" name="Title 1"/>
+          <p:cNvPr id="2" name="Title 1">
+            <a:extLst>
+              <a:ext uri="{FF2B5EF4-FFF2-40B4-BE49-F238E27FC236}">
+                <a16:creationId xmlns:a16="http://schemas.microsoft.com/office/drawing/2014/main" xmlns="" id="{D449B947-BBCF-2E4E-986E-F57802375456}"/>
+              </a:ext>
+            </a:extLst>
+          </p:cNvPr>
           <p:cNvSpPr>
             <a:spLocks noGrp="1"/>
           </p:cNvSpPr>
@@ -15539,262 +14523,207 @@
         </p:nvSpPr>
         <p:spPr/>
         <p:txBody>
+          <a:bodyPr/>
+          <a:lstStyle/>
+          <a:p>
+            <a:r>
+              <a:rPr lang="en-US" dirty="0"/>
+              <a:t>The motivation behind fault model based validation</a:t>
+            </a:r>
+          </a:p>
+        </p:txBody>
+      </p:sp>
+      <p:sp>
+        <p:nvSpPr>
+          <p:cNvPr id="3" name="Content Placeholder 2">
+            <a:extLst>
+              <a:ext uri="{FF2B5EF4-FFF2-40B4-BE49-F238E27FC236}">
+                <a16:creationId xmlns:a16="http://schemas.microsoft.com/office/drawing/2014/main" xmlns="" id="{40F2ECB5-E254-9B47-90E9-D37B24C6F3A1}"/>
+              </a:ext>
+            </a:extLst>
+          </p:cNvPr>
+          <p:cNvSpPr>
+            <a:spLocks noGrp="1"/>
+          </p:cNvSpPr>
+          <p:nvPr>
+            <p:ph idx="1"/>
+          </p:nvPr>
+        </p:nvSpPr>
+        <p:spPr/>
+        <p:txBody>
           <a:bodyPr>
-            <a:normAutofit fontScale="90000"/>
+            <a:normAutofit lnSpcReduction="10000"/>
           </a:bodyPr>
           <a:lstStyle/>
           <a:p>
             <a:r>
+              <a:rPr lang="en-US" dirty="0">
+                <a:latin typeface="Calibri" panose="020F0502020204030204" pitchFamily="34" charset="0"/>
+                <a:cs typeface="Calibri" panose="020F0502020204030204" pitchFamily="34" charset="0"/>
+              </a:rPr>
+              <a:t>While working on Board Diagnostics/Validation </a:t>
+            </a:r>
+            <a:r>
+              <a:rPr lang="en-US" dirty="0" smtClean="0">
+                <a:latin typeface="Calibri" panose="020F0502020204030204" pitchFamily="34" charset="0"/>
+                <a:cs typeface="Calibri" panose="020F0502020204030204" pitchFamily="34" charset="0"/>
+              </a:rPr>
+              <a:t>software, I found that:</a:t>
+            </a:r>
+          </a:p>
+          <a:p>
+            <a:pPr lvl="1">
+              <a:buFont typeface="Wingdings" panose="05000000000000000000" pitchFamily="2" charset="2"/>
+              <a:buChar char="v"/>
+            </a:pPr>
+            <a:r>
+              <a:rPr lang="en-US" dirty="0" smtClean="0">
+                <a:latin typeface="Calibri" panose="020F0502020204030204" pitchFamily="34" charset="0"/>
+                <a:cs typeface="Calibri" panose="020F0502020204030204" pitchFamily="34" charset="0"/>
+              </a:rPr>
+              <a:t>We </a:t>
+            </a:r>
+            <a:r>
+              <a:rPr lang="en-US" dirty="0">
+                <a:latin typeface="Calibri" panose="020F0502020204030204" pitchFamily="34" charset="0"/>
+                <a:cs typeface="Calibri" panose="020F0502020204030204" pitchFamily="34" charset="0"/>
+              </a:rPr>
+              <a:t>had </a:t>
+            </a:r>
+            <a:r>
+              <a:rPr lang="en-US" dirty="0" smtClean="0">
+                <a:latin typeface="Calibri" panose="020F0502020204030204" pitchFamily="34" charset="0"/>
+                <a:cs typeface="Calibri" panose="020F0502020204030204" pitchFamily="34" charset="0"/>
+              </a:rPr>
+              <a:t>no </a:t>
+            </a:r>
+            <a:r>
+              <a:rPr lang="en-US" dirty="0">
+                <a:latin typeface="Calibri" panose="020F0502020204030204" pitchFamily="34" charset="0"/>
+                <a:cs typeface="Calibri" panose="020F0502020204030204" pitchFamily="34" charset="0"/>
+              </a:rPr>
+              <a:t>deterministic way to arrive at </a:t>
+            </a:r>
+            <a:r>
+              <a:rPr lang="en-US" dirty="0" smtClean="0">
+                <a:latin typeface="Calibri" panose="020F0502020204030204" pitchFamily="34" charset="0"/>
+                <a:cs typeface="Calibri" panose="020F0502020204030204" pitchFamily="34" charset="0"/>
+              </a:rPr>
+              <a:t>test coverage </a:t>
+            </a:r>
+            <a:r>
+              <a:rPr lang="en-US" dirty="0">
+                <a:latin typeface="Calibri" panose="020F0502020204030204" pitchFamily="34" charset="0"/>
+                <a:cs typeface="Calibri" panose="020F0502020204030204" pitchFamily="34" charset="0"/>
+              </a:rPr>
+              <a:t>for </a:t>
+            </a:r>
+            <a:r>
+              <a:rPr lang="en-US" dirty="0" smtClean="0">
+                <a:latin typeface="Calibri" panose="020F0502020204030204" pitchFamily="34" charset="0"/>
+                <a:cs typeface="Calibri" panose="020F0502020204030204" pitchFamily="34" charset="0"/>
+              </a:rPr>
+              <a:t>a given HW design </a:t>
+            </a:r>
+            <a:r>
+              <a:rPr lang="en-US" dirty="0">
+                <a:latin typeface="Calibri" panose="020F0502020204030204" pitchFamily="34" charset="0"/>
+                <a:cs typeface="Calibri" panose="020F0502020204030204" pitchFamily="34" charset="0"/>
+              </a:rPr>
+              <a:t>and its associated faults</a:t>
+            </a:r>
+            <a:endParaRPr lang="en-US" dirty="0"/>
+          </a:p>
+          <a:p>
+            <a:r>
+              <a:rPr lang="en-US" dirty="0"/>
+              <a:t>In the course of validation of the board, </a:t>
+            </a:r>
+            <a:r>
               <a:rPr lang="en-US" dirty="0" smtClean="0"/>
-              <a:t>Vijay Kirpalani</a:t>
-            </a:r>
-            <a:br>
+              <a:t>issues show up that </a:t>
+            </a:r>
+            <a:r>
+              <a:rPr lang="en-US" dirty="0"/>
+              <a:t>the test case did not intend to </a:t>
+            </a:r>
+            <a:r>
               <a:rPr lang="en-US" dirty="0" smtClean="0"/>
-            </a:br>
+              <a:t>find.</a:t>
+            </a:r>
+          </a:p>
+          <a:p>
+            <a:pPr lvl="1">
+              <a:buFont typeface="Wingdings" panose="05000000000000000000" pitchFamily="2" charset="2"/>
+              <a:buChar char="v"/>
+            </a:pPr>
             <a:r>
               <a:rPr lang="en-US" dirty="0" smtClean="0"/>
-              <a:t/>
-            </a:r>
-            <a:br>
+              <a:t>The </a:t>
+            </a:r>
+            <a:r>
+              <a:rPr lang="en-US" dirty="0"/>
+              <a:t>Diagnostics validation found an I2C rise time fault on a proto </a:t>
+            </a:r>
+            <a:r>
               <a:rPr lang="en-US" dirty="0" smtClean="0"/>
-            </a:br>
-            <a:r>
-              <a:rPr lang="en-US" sz="1600" dirty="0" smtClean="0"/>
-              <a:t>Contact – 9739175785  e-mail – vijaykirpalani@gmail.com</a:t>
-            </a:r>
-            <a:endParaRPr lang="en-US" sz="1600" dirty="0"/>
-          </a:p>
-        </p:txBody>
-      </p:sp>
-      <p:sp>
-        <p:nvSpPr>
-          <p:cNvPr id="3" name="Content Placeholder 2"/>
-          <p:cNvSpPr>
-            <a:spLocks noGrp="1"/>
-          </p:cNvSpPr>
-          <p:nvPr>
-            <p:ph idx="1"/>
-          </p:nvPr>
-        </p:nvSpPr>
-        <p:spPr/>
-        <p:txBody>
-          <a:bodyPr>
-            <a:normAutofit fontScale="25000" lnSpcReduction="20000"/>
-          </a:bodyPr>
-          <a:lstStyle/>
-          <a:p>
-            <a:pPr lvl="0"/>
-            <a:r>
-              <a:rPr lang="en-US" sz="4800" dirty="0"/>
-              <a:t>24 Years of Industry experience in the HW/system software/networking/telecom domain</a:t>
-            </a:r>
-          </a:p>
-          <a:p>
-            <a:pPr lvl="0"/>
-            <a:r>
-              <a:rPr lang="en-US" sz="4800" dirty="0"/>
-              <a:t>Driven HW ( Board ) validation and ASIC (Post silicon validation) projects from conception to customer delivery (FCS).</a:t>
-            </a:r>
-          </a:p>
-          <a:p>
-            <a:pPr lvl="0"/>
-            <a:r>
-              <a:rPr lang="en-US" sz="4800" dirty="0"/>
-              <a:t>Interacted closely with HW qualification teams and the manufacturing </a:t>
-            </a:r>
-            <a:r>
-              <a:rPr lang="en-US" sz="4800" dirty="0" smtClean="0"/>
-              <a:t>teams.</a:t>
-            </a:r>
-            <a:endParaRPr lang="en-US" sz="4800" dirty="0"/>
-          </a:p>
-          <a:p>
-            <a:pPr lvl="0"/>
-            <a:r>
-              <a:rPr lang="en-US" sz="4800" dirty="0" smtClean="0"/>
-              <a:t>Developed/lead </a:t>
-            </a:r>
-            <a:r>
-              <a:rPr lang="en-US" sz="4800" dirty="0"/>
-              <a:t>networking products/features for </a:t>
-            </a:r>
-            <a:r>
-              <a:rPr lang="en-US" sz="4800" dirty="0" smtClean="0"/>
-              <a:t>Access </a:t>
-            </a:r>
-            <a:r>
-              <a:rPr lang="en-US" sz="4800" dirty="0"/>
-              <a:t>Routers, Core Routers</a:t>
-            </a:r>
-            <a:r>
-              <a:rPr lang="en-US" sz="4800" dirty="0" smtClean="0"/>
-              <a:t>, </a:t>
-            </a:r>
-            <a:r>
-              <a:rPr lang="en-US" sz="4800" dirty="0"/>
-              <a:t>Line </a:t>
-            </a:r>
-            <a:r>
-              <a:rPr lang="en-US" sz="4800" dirty="0" smtClean="0"/>
-              <a:t>Cards</a:t>
-            </a:r>
-            <a:endParaRPr lang="en-US" sz="4800" dirty="0"/>
-          </a:p>
-          <a:p>
-            <a:pPr lvl="0"/>
-            <a:r>
-              <a:rPr lang="en-US" sz="4800" dirty="0"/>
-              <a:t>Hardware busses – I2C, PCI, SPI, High speed serdes.</a:t>
-            </a:r>
-          </a:p>
-          <a:p>
-            <a:pPr lvl="0"/>
-            <a:r>
-              <a:rPr lang="en-US" sz="4800" dirty="0"/>
-              <a:t>Board validation involving Ethernet </a:t>
-            </a:r>
-            <a:r>
-              <a:rPr lang="en-US" sz="4800" dirty="0" smtClean="0"/>
-              <a:t>PHY </a:t>
-            </a:r>
-            <a:r>
-              <a:rPr lang="en-US" sz="4800" dirty="0"/>
-              <a:t>devices (</a:t>
-            </a:r>
-            <a:r>
-              <a:rPr lang="en-US" sz="4800" dirty="0" smtClean="0"/>
-              <a:t>1G/10G/ </a:t>
-            </a:r>
-            <a:r>
-              <a:rPr lang="en-US" sz="4800" dirty="0"/>
-              <a:t>100G) from Vitesse, </a:t>
-            </a:r>
-            <a:r>
-              <a:rPr lang="en-US" sz="4800" dirty="0" smtClean="0"/>
-              <a:t>Broadcom NPUs   </a:t>
-            </a:r>
-            <a:r>
-              <a:rPr lang="en-US" sz="4800" dirty="0"/>
-              <a:t>ARAD /</a:t>
-            </a:r>
-            <a:r>
-              <a:rPr lang="en-US" sz="4800" dirty="0" smtClean="0"/>
-              <a:t>QMX.</a:t>
-            </a:r>
-            <a:endParaRPr lang="en-US" sz="4800" dirty="0"/>
-          </a:p>
-          <a:p>
-            <a:pPr lvl="0"/>
-            <a:r>
-              <a:rPr lang="en-US" sz="4800" dirty="0"/>
-              <a:t>Device Drivers for SONET, Ethernet, T1/E1 and HDLC devices.</a:t>
-            </a:r>
-          </a:p>
-          <a:p>
-            <a:pPr lvl="0"/>
-            <a:r>
-              <a:rPr lang="en-US" sz="4800" dirty="0"/>
-              <a:t>CPU – Intel </a:t>
-            </a:r>
-            <a:r>
-              <a:rPr lang="en-US" sz="4800" dirty="0" smtClean="0"/>
-              <a:t>Broadwell</a:t>
-            </a:r>
-            <a:r>
-              <a:rPr lang="en-US" sz="4800" dirty="0"/>
-              <a:t>,</a:t>
-            </a:r>
-            <a:r>
-              <a:rPr lang="en-US" sz="4800" dirty="0" smtClean="0"/>
-              <a:t> </a:t>
-            </a:r>
-            <a:r>
-              <a:rPr lang="en-US" sz="4800" dirty="0"/>
-              <a:t>Freescale/NXP P2020, T1042, IBM PowerPC 740-710, </a:t>
-            </a:r>
-            <a:r>
-              <a:rPr lang="en-US" sz="4800" dirty="0" smtClean="0"/>
-              <a:t>  </a:t>
-            </a:r>
-            <a:r>
-              <a:rPr lang="en-US" sz="4800" dirty="0"/>
-              <a:t>and ARM </a:t>
-            </a:r>
-            <a:r>
-              <a:rPr lang="en-US" sz="4800" dirty="0" smtClean="0"/>
-              <a:t>based.</a:t>
-            </a:r>
-            <a:endParaRPr lang="en-US" sz="4800" dirty="0"/>
-          </a:p>
-          <a:p>
-            <a:pPr lvl="0"/>
-            <a:r>
-              <a:rPr lang="en-US" sz="4800" dirty="0"/>
-              <a:t>Operating Systems – Linux, VxWorks 5.x, </a:t>
-            </a:r>
-            <a:r>
-              <a:rPr lang="en-US" sz="4800" dirty="0" smtClean="0"/>
-              <a:t>and </a:t>
-            </a:r>
-            <a:r>
-              <a:rPr lang="en-US" sz="4800" dirty="0"/>
-              <a:t>Windows NT</a:t>
-            </a:r>
-            <a:r>
-              <a:rPr lang="en-US" sz="4800" dirty="0" smtClean="0"/>
-              <a:t>.</a:t>
-            </a:r>
-          </a:p>
-          <a:p>
-            <a:r>
-              <a:rPr lang="en-US" sz="4800" b="1" u="sng" dirty="0" smtClean="0"/>
-              <a:t>Education</a:t>
-            </a:r>
-            <a:endParaRPr lang="en-US" sz="4800" dirty="0"/>
-          </a:p>
-          <a:p>
-            <a:r>
-              <a:rPr lang="en-US" sz="4800" b="1" dirty="0"/>
-              <a:t>B.E.  Electrical Engineering </a:t>
-            </a:r>
-            <a:r>
-              <a:rPr lang="en-US" sz="4800" dirty="0"/>
-              <a:t>R.E.C. Tiruchirapalli (1991) </a:t>
-            </a:r>
-          </a:p>
-          <a:p>
-            <a:r>
-              <a:rPr lang="en-US" sz="4800" b="1" dirty="0"/>
-              <a:t>MS Computer Engineering</a:t>
-            </a:r>
-            <a:r>
-              <a:rPr lang="en-US" sz="4800" dirty="0"/>
-              <a:t> Louisiana State University (1993) </a:t>
-            </a:r>
-          </a:p>
-          <a:p>
-            <a:r>
-              <a:rPr lang="en-US" sz="4800" i="1" dirty="0"/>
-              <a:t>Research Paper Published in IEEE Transactions on Computers</a:t>
-            </a:r>
-            <a:r>
-              <a:rPr lang="en-US" sz="4800" dirty="0"/>
-              <a:t> http://ieeexplore.ieee.org/xpl/freeabs_all.jsp?tp=&amp;arnumber=536239&amp;isnumber=11374</a:t>
-            </a:r>
-          </a:p>
-          <a:p>
-            <a:pPr lvl="0"/>
-            <a:endParaRPr lang="en-US" dirty="0"/>
-          </a:p>
-          <a:p>
-            <a:endParaRPr lang="en-US" dirty="0"/>
+              <a:t>board, 18 </a:t>
+            </a:r>
+            <a:r>
+              <a:rPr lang="en-US" dirty="0"/>
+              <a:t>months after PON.</a:t>
+            </a:r>
+          </a:p>
+          <a:p>
+            <a:pPr lvl="1">
+              <a:buFont typeface="Wingdings" panose="05000000000000000000" pitchFamily="2" charset="2"/>
+              <a:buChar char="v"/>
+            </a:pPr>
+            <a:r>
+              <a:rPr lang="en-US" dirty="0"/>
+              <a:t>Intermittent Traffic /packet drops and </a:t>
+            </a:r>
+            <a:r>
+              <a:rPr lang="en-US" dirty="0" smtClean="0"/>
+              <a:t>(CAUI4) link </a:t>
+            </a:r>
+            <a:r>
+              <a:rPr lang="en-US" dirty="0"/>
+              <a:t>flaps show up after several days of run in the regression setup during our testing of the proto HW.</a:t>
+            </a:r>
+          </a:p>
+          <a:p>
+            <a:r>
+              <a:rPr lang="en-US" dirty="0"/>
+              <a:t>The motivation behind fault model based validation is to </a:t>
+            </a:r>
+            <a:endParaRPr lang="en-US" dirty="0" smtClean="0"/>
+          </a:p>
+          <a:p>
+            <a:pPr lvl="1"/>
+            <a:r>
+              <a:rPr lang="en-US" dirty="0" smtClean="0"/>
+              <a:t>have </a:t>
+            </a:r>
+            <a:r>
+              <a:rPr lang="en-US" dirty="0"/>
+              <a:t>a predictable method or process </a:t>
+            </a:r>
+            <a:r>
+              <a:rPr lang="en-US" dirty="0" smtClean="0"/>
+              <a:t>which generates tests with intent to catch all </a:t>
+            </a:r>
+            <a:r>
+              <a:rPr lang="en-US" dirty="0"/>
+              <a:t>the possible faults that can occur in a design, rather than finding it by accident.</a:t>
+            </a:r>
           </a:p>
         </p:txBody>
       </p:sp>
     </p:spTree>
     <p:extLst>
       <p:ext uri="{BB962C8B-B14F-4D97-AF65-F5344CB8AC3E}">
-        <p14:creationId xmlns:p14="http://schemas.microsoft.com/office/powerpoint/2010/main" val="1213038713"/>
+        <p14:creationId xmlns:p14="http://schemas.microsoft.com/office/powerpoint/2010/main" val="2289312157"/>
       </p:ext>
     </p:extLst>
   </p:cSld>
@@ -15833,7 +14762,7 @@
           <p:cNvPr id="2" name="Title 1">
             <a:extLst>
               <a:ext uri="{FF2B5EF4-FFF2-40B4-BE49-F238E27FC236}">
-                <a16:creationId xmlns="" xmlns:a16="http://schemas.microsoft.com/office/drawing/2014/main" id="{D449B947-BBCF-2E4E-986E-F57802375456}"/>
+                <a16:creationId xmlns:a16="http://schemas.microsoft.com/office/drawing/2014/main" xmlns="" id="{E67B9126-1DE3-A448-883E-ACA834873509}"/>
               </a:ext>
             </a:extLst>
           </p:cNvPr>
@@ -15851,7 +14780,7 @@
           <a:p>
             <a:r>
               <a:rPr lang="en-US" dirty="0"/>
-              <a:t>The motivation behind fault model based validation</a:t>
+              <a:t>What is a fault model ?</a:t>
             </a:r>
           </a:p>
         </p:txBody>
@@ -15861,7 +14790,7 @@
           <p:cNvPr id="3" name="Content Placeholder 2">
             <a:extLst>
               <a:ext uri="{FF2B5EF4-FFF2-40B4-BE49-F238E27FC236}">
-                <a16:creationId xmlns="" xmlns:a16="http://schemas.microsoft.com/office/drawing/2014/main" id="{40F2ECB5-E254-9B47-90E9-D37B24C6F3A1}"/>
+                <a16:creationId xmlns:a16="http://schemas.microsoft.com/office/drawing/2014/main" xmlns="" id="{A269CEEA-EF8D-C647-BC90-707F452C8A42}"/>
               </a:ext>
             </a:extLst>
           </p:cNvPr>
@@ -15874,171 +14803,84 @@
         </p:nvSpPr>
         <p:spPr/>
         <p:txBody>
-          <a:bodyPr>
-            <a:normAutofit lnSpcReduction="10000"/>
-          </a:bodyPr>
+          <a:bodyPr/>
           <a:lstStyle/>
           <a:p>
             <a:r>
-              <a:rPr lang="en-US" dirty="0">
-                <a:latin typeface="Calibri" panose="020F0502020204030204" pitchFamily="34" charset="0"/>
-                <a:cs typeface="Calibri" panose="020F0502020204030204" pitchFamily="34" charset="0"/>
-              </a:rPr>
-              <a:t>While working on Board Diagnostics/Validation </a:t>
-            </a:r>
-            <a:r>
-              <a:rPr lang="en-US" dirty="0" smtClean="0">
-                <a:latin typeface="Calibri" panose="020F0502020204030204" pitchFamily="34" charset="0"/>
-                <a:cs typeface="Calibri" panose="020F0502020204030204" pitchFamily="34" charset="0"/>
-              </a:rPr>
-              <a:t>software, I found that:</a:t>
-            </a:r>
-          </a:p>
-          <a:p>
-            <a:pPr lvl="1">
-              <a:buFont typeface="Wingdings" panose="05000000000000000000" pitchFamily="2" charset="2"/>
-              <a:buChar char="v"/>
-            </a:pPr>
-            <a:r>
-              <a:rPr lang="en-US" dirty="0" smtClean="0">
-                <a:latin typeface="Calibri" panose="020F0502020204030204" pitchFamily="34" charset="0"/>
-                <a:cs typeface="Calibri" panose="020F0502020204030204" pitchFamily="34" charset="0"/>
-              </a:rPr>
-              <a:t>We </a:t>
-            </a:r>
-            <a:r>
-              <a:rPr lang="en-US" dirty="0">
-                <a:latin typeface="Calibri" panose="020F0502020204030204" pitchFamily="34" charset="0"/>
-                <a:cs typeface="Calibri" panose="020F0502020204030204" pitchFamily="34" charset="0"/>
-              </a:rPr>
-              <a:t>had </a:t>
-            </a:r>
-            <a:r>
-              <a:rPr lang="en-US" dirty="0" smtClean="0">
-                <a:latin typeface="Calibri" panose="020F0502020204030204" pitchFamily="34" charset="0"/>
-                <a:cs typeface="Calibri" panose="020F0502020204030204" pitchFamily="34" charset="0"/>
-              </a:rPr>
-              <a:t>no </a:t>
-            </a:r>
-            <a:r>
-              <a:rPr lang="en-US" dirty="0">
-                <a:latin typeface="Calibri" panose="020F0502020204030204" pitchFamily="34" charset="0"/>
-                <a:cs typeface="Calibri" panose="020F0502020204030204" pitchFamily="34" charset="0"/>
-              </a:rPr>
-              <a:t>deterministic way to arrive at </a:t>
-            </a:r>
-            <a:r>
-              <a:rPr lang="en-US" dirty="0" smtClean="0">
-                <a:latin typeface="Calibri" panose="020F0502020204030204" pitchFamily="34" charset="0"/>
-                <a:cs typeface="Calibri" panose="020F0502020204030204" pitchFamily="34" charset="0"/>
-              </a:rPr>
-              <a:t>test coverage </a:t>
-            </a:r>
-            <a:r>
-              <a:rPr lang="en-US" dirty="0">
-                <a:latin typeface="Calibri" panose="020F0502020204030204" pitchFamily="34" charset="0"/>
-                <a:cs typeface="Calibri" panose="020F0502020204030204" pitchFamily="34" charset="0"/>
-              </a:rPr>
-              <a:t>for </a:t>
-            </a:r>
-            <a:r>
-              <a:rPr lang="en-US" dirty="0" smtClean="0">
-                <a:latin typeface="Calibri" panose="020F0502020204030204" pitchFamily="34" charset="0"/>
-                <a:cs typeface="Calibri" panose="020F0502020204030204" pitchFamily="34" charset="0"/>
-              </a:rPr>
-              <a:t>a given HW design </a:t>
-            </a:r>
-            <a:r>
-              <a:rPr lang="en-US" dirty="0">
-                <a:latin typeface="Calibri" panose="020F0502020204030204" pitchFamily="34" charset="0"/>
-                <a:cs typeface="Calibri" panose="020F0502020204030204" pitchFamily="34" charset="0"/>
-              </a:rPr>
-              <a:t>and its associated faults</a:t>
-            </a:r>
-            <a:endParaRPr lang="en-US" dirty="0"/>
-          </a:p>
-          <a:p>
-            <a:r>
               <a:rPr lang="en-US" dirty="0"/>
-              <a:t>In the course of validation of the board, </a:t>
+              <a:t>Real defects are too numerous ( </a:t>
             </a:r>
             <a:r>
               <a:rPr lang="en-US" dirty="0" smtClean="0"/>
-              <a:t>issues show up that </a:t>
+              <a:t>at </a:t>
             </a:r>
             <a:r>
               <a:rPr lang="en-US" dirty="0"/>
-              <a:t>the test case did not intend to </a:t>
+              <a:t>transistor </a:t>
             </a:r>
             <a:r>
               <a:rPr lang="en-US" dirty="0" smtClean="0"/>
-              <a:t>find.</a:t>
-            </a:r>
-          </a:p>
-          <a:p>
-            <a:pPr lvl="1">
-              <a:buFont typeface="Wingdings" panose="05000000000000000000" pitchFamily="2" charset="2"/>
-              <a:buChar char="v"/>
-            </a:pPr>
+              <a:t>level itself </a:t>
+            </a:r>
+            <a:r>
+              <a:rPr lang="en-US" dirty="0"/>
+              <a:t>there could be so many possible defects).</a:t>
+            </a:r>
+          </a:p>
+          <a:p>
+            <a:r>
+              <a:rPr lang="en-US" dirty="0"/>
+              <a:t>A fault model is an abstraction, for example a stuck-at-1 fault. There could be so many defects at the electrical layer, but functionally they can be represented as a stuck-at fault.</a:t>
+            </a:r>
+          </a:p>
+          <a:p>
+            <a:r>
+              <a:rPr lang="en-US" dirty="0"/>
+              <a:t>This kind of </a:t>
+            </a:r>
+            <a:r>
+              <a:rPr lang="en-US" sz="2000" b="1" dirty="0"/>
+              <a:t>abstraction</a:t>
+            </a:r>
+            <a:r>
+              <a:rPr lang="en-US" b="1" dirty="0"/>
+              <a:t> </a:t>
+            </a:r>
+            <a:r>
+              <a:rPr lang="en-US" dirty="0"/>
+              <a:t>makes it easier to analyze and </a:t>
+            </a:r>
+          </a:p>
+          <a:p>
             <a:r>
               <a:rPr lang="en-US" dirty="0" smtClean="0"/>
-              <a:t>The </a:t>
+              <a:t>Makes it possible to identify </a:t>
+            </a:r>
+            <a:r>
+              <a:rPr lang="en-US" sz="2000" b="1" dirty="0"/>
+              <a:t>specific targets for testing</a:t>
             </a:r>
             <a:r>
               <a:rPr lang="en-US" dirty="0"/>
-              <a:t>Diagnostics validation found an I2C rise time fault on a proto </a:t>
-            </a:r>
-            <a:r>
-              <a:rPr lang="en-US" dirty="0" smtClean="0"/>
-              <a:t>board, 18 </a:t>
-            </a:r>
+              <a:t>.</a:t>
+            </a:r>
+          </a:p>
+          <a:p>
             <a:r>
               <a:rPr lang="en-US" dirty="0"/>
-              <a:t>months after PON.</a:t>
-            </a:r>
-          </a:p>
-          <a:p>
-            <a:pPr lvl="1">
-              <a:buFont typeface="Wingdings" panose="05000000000000000000" pitchFamily="2" charset="2"/>
-              <a:buChar char="v"/>
-            </a:pPr>
+              <a:t>It makes it possible to </a:t>
+            </a:r>
+            <a:r>
+              <a:rPr lang="en-US" b="1" dirty="0"/>
+              <a:t>build </a:t>
+            </a:r>
+            <a:r>
+              <a:rPr lang="en-US" sz="2000" b="1" dirty="0"/>
+              <a:t>test algorithms </a:t>
+            </a:r>
             <a:r>
               <a:rPr lang="en-US" dirty="0"/>
-              <a:t>Intermittent Traffic /packet drops and </a:t>
-            </a:r>
-            <a:r>
-              <a:rPr lang="en-US" dirty="0" smtClean="0"/>
-              <a:t>(CAUI4) link </a:t>
-            </a:r>
-            <a:r>
-              <a:rPr lang="en-US" dirty="0"/>
-              <a:t>flaps show up after several days of run in the regression setup during our testing of the proto HW.</a:t>
-            </a:r>
-          </a:p>
-          <a:p>
-            <a:r>
-              <a:rPr lang="en-US" dirty="0"/>
-              <a:t>The motivation behind fault model based validation is to </a:t>
-            </a:r>
-            <a:endParaRPr lang="en-US" dirty="0" smtClean="0"/>
-          </a:p>
-          <a:p>
-            <a:pPr lvl="1"/>
-            <a:r>
-              <a:rPr lang="en-US" dirty="0" smtClean="0"/>
-              <a:t>have </a:t>
-            </a:r>
-            <a:r>
-              <a:rPr lang="en-US" dirty="0"/>
-              <a:t>a predictable method or process </a:t>
-            </a:r>
-            <a:r>
-              <a:rPr lang="en-US" dirty="0" smtClean="0"/>
-              <a:t>which generates tests with intent to catch all </a:t>
-            </a:r>
-            <a:r>
-              <a:rPr lang="en-US" dirty="0"/>
-              <a:t>the possible faults that can occur in a design, rather than finding it by accident.</a:t>
+              <a:t>to sensitize the faults.</a:t>
             </a:r>
           </a:p>
         </p:txBody>
@@ -16046,7 +14888,7 @@
     </p:spTree>
     <p:extLst>
       <p:ext uri="{BB962C8B-B14F-4D97-AF65-F5344CB8AC3E}">
-        <p14:creationId xmlns:p14="http://schemas.microsoft.com/office/powerpoint/2010/main" val="2289312157"/>
+        <p14:creationId xmlns:p14="http://schemas.microsoft.com/office/powerpoint/2010/main" val="351520120"/>
       </p:ext>
     </p:extLst>
   </p:cSld>
@@ -16085,7 +14927,7 @@
           <p:cNvPr id="2" name="Title 1">
             <a:extLst>
               <a:ext uri="{FF2B5EF4-FFF2-40B4-BE49-F238E27FC236}">
-                <a16:creationId xmlns="" xmlns:a16="http://schemas.microsoft.com/office/drawing/2014/main" id="{E67B9126-1DE3-A448-883E-ACA834873509}"/>
+                <a16:creationId xmlns:a16="http://schemas.microsoft.com/office/drawing/2014/main" xmlns="" id="{890AAAA2-9CC8-474E-AFD8-955D6FBA9A41}"/>
               </a:ext>
             </a:extLst>
           </p:cNvPr>
@@ -16103,7 +14945,7 @@
           <a:p>
             <a:r>
               <a:rPr lang="en-US" dirty="0"/>
-              <a:t>What is a fault model ?</a:t>
+              <a:t>Methodology</a:t>
             </a:r>
           </a:p>
         </p:txBody>
@@ -16113,172 +14955,7 @@
           <p:cNvPr id="3" name="Content Placeholder 2">
             <a:extLst>
               <a:ext uri="{FF2B5EF4-FFF2-40B4-BE49-F238E27FC236}">
-                <a16:creationId xmlns="" xmlns:a16="http://schemas.microsoft.com/office/drawing/2014/main" id="{A269CEEA-EF8D-C647-BC90-707F452C8A42}"/>
-              </a:ext>
-            </a:extLst>
-          </p:cNvPr>
-          <p:cNvSpPr>
-            <a:spLocks noGrp="1"/>
-          </p:cNvSpPr>
-          <p:nvPr>
-            <p:ph idx="1"/>
-          </p:nvPr>
-        </p:nvSpPr>
-        <p:spPr/>
-        <p:txBody>
-          <a:bodyPr/>
-          <a:lstStyle/>
-          <a:p>
-            <a:r>
-              <a:rPr lang="en-US" dirty="0"/>
-              <a:t>Real defects are too numerous ( </a:t>
-            </a:r>
-            <a:r>
-              <a:rPr lang="en-US" dirty="0" smtClean="0"/>
-              <a:t>at </a:t>
-            </a:r>
-            <a:r>
-              <a:rPr lang="en-US" dirty="0"/>
-              <a:t>transistor </a:t>
-            </a:r>
-            <a:r>
-              <a:rPr lang="en-US" dirty="0" smtClean="0"/>
-              <a:t>level itself </a:t>
-            </a:r>
-            <a:r>
-              <a:rPr lang="en-US" dirty="0"/>
-              <a:t>there could be so many possible defects).</a:t>
-            </a:r>
-          </a:p>
-          <a:p>
-            <a:r>
-              <a:rPr lang="en-US" dirty="0"/>
-              <a:t>A fault model is an abstraction, for example a stuck-at-1 fault. There could be so many defects at the electrical layer, but functionally they can be represented as a stuck-at fault.</a:t>
-            </a:r>
-          </a:p>
-          <a:p>
-            <a:r>
-              <a:rPr lang="en-US" dirty="0"/>
-              <a:t>This kind of </a:t>
-            </a:r>
-            <a:r>
-              <a:rPr lang="en-US" sz="2000" b="1" dirty="0"/>
-              <a:t>abstraction</a:t>
-            </a:r>
-            <a:r>
-              <a:rPr lang="en-US" b="1" dirty="0"/>
-              <a:t> </a:t>
-            </a:r>
-            <a:r>
-              <a:rPr lang="en-US" dirty="0"/>
-              <a:t>makes it easier to analyze and </a:t>
-            </a:r>
-          </a:p>
-          <a:p>
-            <a:r>
-              <a:rPr lang="en-US" dirty="0" smtClean="0"/>
-              <a:t>Makes it possible to identify </a:t>
-            </a:r>
-            <a:r>
-              <a:rPr lang="en-US" sz="2000" b="1" dirty="0"/>
-              <a:t>specific targets for testing</a:t>
-            </a:r>
-            <a:r>
-              <a:rPr lang="en-US" dirty="0"/>
-              <a:t>.</a:t>
-            </a:r>
-          </a:p>
-          <a:p>
-            <a:r>
-              <a:rPr lang="en-US" dirty="0"/>
-              <a:t>It makes it possible to </a:t>
-            </a:r>
-            <a:r>
-              <a:rPr lang="en-US" b="1" dirty="0"/>
-              <a:t>build </a:t>
-            </a:r>
-            <a:r>
-              <a:rPr lang="en-US" sz="2000" b="1" dirty="0"/>
-              <a:t>test algorithms </a:t>
-            </a:r>
-            <a:r>
-              <a:rPr lang="en-US" dirty="0"/>
-              <a:t>to sensitize the faults.</a:t>
-            </a:r>
-          </a:p>
-        </p:txBody>
-      </p:sp>
-    </p:spTree>
-    <p:extLst>
-      <p:ext uri="{BB962C8B-B14F-4D97-AF65-F5344CB8AC3E}">
-        <p14:creationId xmlns:p14="http://schemas.microsoft.com/office/powerpoint/2010/main" val="351520120"/>
-      </p:ext>
-    </p:extLst>
-  </p:cSld>
-  <p:clrMapOvr>
-    <a:masterClrMapping/>
-  </p:clrMapOvr>
-  <p:timing>
-    <p:tnLst>
-      <p:par>
-        <p:cTn id="1" dur="indefinite" restart="never" nodeType="tmRoot"/>
-      </p:par>
-    </p:tnLst>
-  </p:timing>
-</p:sld>
-</file>
-
-<file path=ppt/slides/slide5.xml><?xml version="1.0" encoding="utf-8"?>
-<p:sld xmlns:a="http://schemas.openxmlformats.org/drawingml/2006/main" xmlns:r="http://schemas.openxmlformats.org/officeDocument/2006/relationships" xmlns:p="http://schemas.openxmlformats.org/presentationml/2006/main">
-  <p:cSld>
-    <p:spTree>
-      <p:nvGrpSpPr>
-        <p:cNvPr id="1" name=""/>
-        <p:cNvGrpSpPr/>
-        <p:nvPr/>
-      </p:nvGrpSpPr>
-      <p:grpSpPr>
-        <a:xfrm>
-          <a:off x="0" y="0"/>
-          <a:ext cx="0" cy="0"/>
-          <a:chOff x="0" y="0"/>
-          <a:chExt cx="0" cy="0"/>
-        </a:xfrm>
-      </p:grpSpPr>
-      <p:sp>
-        <p:nvSpPr>
-          <p:cNvPr id="2" name="Title 1">
-            <a:extLst>
-              <a:ext uri="{FF2B5EF4-FFF2-40B4-BE49-F238E27FC236}">
-                <a16:creationId xmlns="" xmlns:a16="http://schemas.microsoft.com/office/drawing/2014/main" id="{890AAAA2-9CC8-474E-AFD8-955D6FBA9A41}"/>
-              </a:ext>
-            </a:extLst>
-          </p:cNvPr>
-          <p:cNvSpPr>
-            <a:spLocks noGrp="1"/>
-          </p:cNvSpPr>
-          <p:nvPr>
-            <p:ph type="title"/>
-          </p:nvPr>
-        </p:nvSpPr>
-        <p:spPr/>
-        <p:txBody>
-          <a:bodyPr/>
-          <a:lstStyle/>
-          <a:p>
-            <a:r>
-              <a:rPr lang="en-US" dirty="0"/>
-              <a:t>Methodology</a:t>
-            </a:r>
-          </a:p>
-        </p:txBody>
-      </p:sp>
-      <p:sp>
-        <p:nvSpPr>
-          <p:cNvPr id="3" name="Content Placeholder 2">
-            <a:extLst>
-              <a:ext uri="{FF2B5EF4-FFF2-40B4-BE49-F238E27FC236}">
-                <a16:creationId xmlns="" xmlns:a16="http://schemas.microsoft.com/office/drawing/2014/main" id="{3BF15570-324C-A74D-97AA-8557AC5F3520}"/>
+                <a16:creationId xmlns:a16="http://schemas.microsoft.com/office/drawing/2014/main" xmlns="" id="{3BF15570-324C-A74D-97AA-8557AC5F3520}"/>
               </a:ext>
             </a:extLst>
           </p:cNvPr>
@@ -16364,7 +15041,7 @@
 </p:sld>
 </file>
 
-<file path=ppt/slides/slide6.xml><?xml version="1.0" encoding="utf-8"?>
+<file path=ppt/slides/slide5.xml><?xml version="1.0" encoding="utf-8"?>
 <p:sld xmlns:a="http://schemas.openxmlformats.org/drawingml/2006/main" xmlns:r="http://schemas.openxmlformats.org/officeDocument/2006/relationships" xmlns:p="http://schemas.openxmlformats.org/presentationml/2006/main">
   <p:cSld>
     <p:spTree>
@@ -16520,7 +15197,7 @@
 </p:sld>
 </file>
 
-<file path=ppt/slides/slide7.xml><?xml version="1.0" encoding="utf-8"?>
+<file path=ppt/slides/slide6.xml><?xml version="1.0" encoding="utf-8"?>
 <p:sld xmlns:a="http://schemas.openxmlformats.org/drawingml/2006/main" xmlns:r="http://schemas.openxmlformats.org/officeDocument/2006/relationships" xmlns:p="http://schemas.openxmlformats.org/presentationml/2006/main">
   <p:cSld>
     <p:spTree>
@@ -16779,7 +15456,7 @@
 </p:sld>
 </file>
 
-<file path=ppt/slides/slide8.xml><?xml version="1.0" encoding="utf-8"?>
+<file path=ppt/slides/slide7.xml><?xml version="1.0" encoding="utf-8"?>
 <p:sld xmlns:a="http://schemas.openxmlformats.org/drawingml/2006/main" xmlns:r="http://schemas.openxmlformats.org/officeDocument/2006/relationships" xmlns:p="http://schemas.openxmlformats.org/presentationml/2006/main">
   <p:cSld>
     <p:spTree>
@@ -16937,7 +15614,7 @@
 </p:sld>
 </file>
 
-<file path=ppt/slides/slide9.xml><?xml version="1.0" encoding="utf-8"?>
+<file path=ppt/slides/slide8.xml><?xml version="1.0" encoding="utf-8"?>
 <p:sld xmlns:a="http://schemas.openxmlformats.org/drawingml/2006/main" xmlns:r="http://schemas.openxmlformats.org/officeDocument/2006/relationships" xmlns:p="http://schemas.openxmlformats.org/presentationml/2006/main">
   <p:cSld>
     <p:spTree>
@@ -17271,6 +15948,141 @@
 </p:sld>
 </file>
 
+<file path=ppt/slides/slide9.xml><?xml version="1.0" encoding="utf-8"?>
+<p:sld xmlns:a="http://schemas.openxmlformats.org/drawingml/2006/main" xmlns:r="http://schemas.openxmlformats.org/officeDocument/2006/relationships" xmlns:p="http://schemas.openxmlformats.org/presentationml/2006/main">
+  <p:cSld>
+    <p:spTree>
+      <p:nvGrpSpPr>
+        <p:cNvPr id="1" name=""/>
+        <p:cNvGrpSpPr/>
+        <p:nvPr/>
+      </p:nvGrpSpPr>
+      <p:grpSpPr>
+        <a:xfrm>
+          <a:off x="0" y="0"/>
+          <a:ext cx="0" cy="0"/>
+          <a:chOff x="0" y="0"/>
+          <a:chExt cx="0" cy="0"/>
+        </a:xfrm>
+      </p:grpSpPr>
+      <p:sp>
+        <p:nvSpPr>
+          <p:cNvPr id="2" name="Title 1">
+            <a:extLst>
+              <a:ext uri="{FF2B5EF4-FFF2-40B4-BE49-F238E27FC236}">
+                <a16:creationId xmlns:a16="http://schemas.microsoft.com/office/drawing/2014/main" xmlns="" id="{D902E568-A5EA-BF41-9814-5B74652B0933}"/>
+              </a:ext>
+            </a:extLst>
+          </p:cNvPr>
+          <p:cNvSpPr>
+            <a:spLocks noGrp="1"/>
+          </p:cNvSpPr>
+          <p:nvPr>
+            <p:ph type="title"/>
+          </p:nvPr>
+        </p:nvSpPr>
+        <p:spPr/>
+        <p:txBody>
+          <a:bodyPr/>
+          <a:lstStyle/>
+          <a:p>
+            <a:r>
+              <a:rPr lang="en-US" dirty="0"/>
+              <a:t>Fault model for I2C interface</a:t>
+            </a:r>
+          </a:p>
+        </p:txBody>
+      </p:sp>
+      <p:sp>
+        <p:nvSpPr>
+          <p:cNvPr id="3" name="Content Placeholder 2">
+            <a:extLst>
+              <a:ext uri="{FF2B5EF4-FFF2-40B4-BE49-F238E27FC236}">
+                <a16:creationId xmlns:a16="http://schemas.microsoft.com/office/drawing/2014/main" xmlns="" id="{5C902F7F-C631-E84B-83D3-DF2963109F50}"/>
+              </a:ext>
+            </a:extLst>
+          </p:cNvPr>
+          <p:cNvSpPr>
+            <a:spLocks noGrp="1"/>
+          </p:cNvSpPr>
+          <p:nvPr>
+            <p:ph idx="1"/>
+          </p:nvPr>
+        </p:nvSpPr>
+        <p:spPr/>
+        <p:txBody>
+          <a:bodyPr>
+            <a:normAutofit/>
+          </a:bodyPr>
+          <a:lstStyle/>
+          <a:p>
+            <a:r>
+              <a:rPr lang="en-US" dirty="0"/>
+              <a:t>I have created </a:t>
+            </a:r>
+          </a:p>
+          <a:p>
+            <a:pPr lvl="1"/>
+            <a:r>
+              <a:rPr lang="en-US" dirty="0"/>
+              <a:t>behavioral model based on the I2C specification</a:t>
+            </a:r>
+          </a:p>
+          <a:p>
+            <a:pPr lvl="1"/>
+            <a:r>
+              <a:rPr lang="en-US" dirty="0"/>
+              <a:t>Functional model based on open source I2C implementation</a:t>
+            </a:r>
+          </a:p>
+          <a:p>
+            <a:pPr lvl="1"/>
+            <a:r>
+              <a:rPr lang="en-US" dirty="0"/>
+              <a:t>Structural analysis based on the I2C specification</a:t>
+            </a:r>
+          </a:p>
+          <a:p>
+            <a:pPr lvl="1"/>
+            <a:r>
+              <a:rPr lang="en-US" dirty="0"/>
+              <a:t>Timing model is leveraged from the specification.</a:t>
+            </a:r>
+          </a:p>
+          <a:p>
+            <a:r>
+              <a:rPr lang="en-US" dirty="0"/>
+              <a:t>I have created Fault models based on the above HW models </a:t>
+            </a:r>
+          </a:p>
+          <a:p>
+            <a:endParaRPr lang="en-US" dirty="0"/>
+          </a:p>
+          <a:p>
+            <a:endParaRPr lang="en-US" dirty="0"/>
+          </a:p>
+        </p:txBody>
+      </p:sp>
+    </p:spTree>
+    <p:extLst>
+      <p:ext uri="{BB962C8B-B14F-4D97-AF65-F5344CB8AC3E}">
+        <p14:creationId xmlns:p14="http://schemas.microsoft.com/office/powerpoint/2010/main" val="523464050"/>
+      </p:ext>
+    </p:extLst>
+  </p:cSld>
+  <p:clrMapOvr>
+    <a:masterClrMapping/>
+  </p:clrMapOvr>
+  <p:timing>
+    <p:tnLst>
+      <p:par>
+        <p:cTn id="1" dur="indefinite" restart="never" nodeType="tmRoot"/>
+      </p:par>
+    </p:tnLst>
+  </p:timing>
+</p:sld>
+</file>
+
 <file path=ppt/theme/theme1.xml><?xml version="1.0" encoding="utf-8"?>
 <a:theme xmlns:a="http://schemas.openxmlformats.org/drawingml/2006/main" name="Facet">
   <a:themeElements>
@@ -17522,7 +16334,7 @@
   <a:extraClrSchemeLst/>
   <a:extLst>
     <a:ext uri="{05A4C25C-085E-4340-85A3-A5531E510DB2}">
-      <thm15:themeFamily xmlns="" xmlns:thm15="http://schemas.microsoft.com/office/thememl/2012/main" name="Facet" id="{C0C680CD-088A-49FC-A102-D699147F32B2}" vid="{CFBC31BA-B70F-4F30-BCAA-4F3011E16C4D}"/>
+      <thm15:themeFamily xmlns:thm15="http://schemas.microsoft.com/office/thememl/2012/main" xmlns="" name="Facet" id="{C0C680CD-088A-49FC-A102-D699147F32B2}" vid="{CFBC31BA-B70F-4F30-BCAA-4F3011E16C4D}"/>
     </a:ext>
   </a:extLst>
 </a:theme>
